--- a/figures/figures-handmade.pptx
+++ b/figures/figures-handmade.pptx
@@ -3321,53 +3321,297 @@
           <a:chExt cx="0" cy="0"/>
         </a:xfrm>
       </p:grpSpPr>
-      <p:sp>
-        <p:nvSpPr>
-          <p:cNvPr id="2" name="Title 1">
-            <a:extLst>
-              <a:ext uri="{FF2B5EF4-FFF2-40B4-BE49-F238E27FC236}">
-                <a16:creationId xmlns:a16="http://schemas.microsoft.com/office/drawing/2014/main" id="{36459C54-3D79-1EA2-D919-FF0469CDA7AE}"/>
-              </a:ext>
-            </a:extLst>
-          </p:cNvPr>
-          <p:cNvSpPr>
-            <a:spLocks noGrp="1"/>
-          </p:cNvSpPr>
-          <p:nvPr>
-            <p:ph type="ctrTitle"/>
-          </p:nvPr>
-        </p:nvSpPr>
-        <p:spPr/>
-        <p:txBody>
-          <a:bodyPr/>
-          <a:lstStyle/>
-          <a:p>
-            <a:endParaRPr lang="en-GB"/>
-          </a:p>
-        </p:txBody>
-      </p:sp>
-      <p:sp>
-        <p:nvSpPr>
-          <p:cNvPr id="3" name="Subtitle 2">
-            <a:extLst>
-              <a:ext uri="{FF2B5EF4-FFF2-40B4-BE49-F238E27FC236}">
-                <a16:creationId xmlns:a16="http://schemas.microsoft.com/office/drawing/2014/main" id="{64F68B92-B65A-DECF-EB0B-E97D79682910}"/>
-              </a:ext>
-            </a:extLst>
-          </p:cNvPr>
-          <p:cNvSpPr>
-            <a:spLocks noGrp="1"/>
-          </p:cNvSpPr>
-          <p:nvPr>
-            <p:ph type="subTitle" idx="1"/>
-          </p:nvPr>
-        </p:nvSpPr>
-        <p:spPr/>
-        <p:txBody>
-          <a:bodyPr/>
-          <a:lstStyle/>
-          <a:p>
-            <a:endParaRPr lang="en-GB"/>
+      <p:pic>
+        <p:nvPicPr>
+          <p:cNvPr id="5" name="Picture 4" descr="A person in a uniform&#10;&#10;Description automatically generated">
+            <a:extLst>
+              <a:ext uri="{FF2B5EF4-FFF2-40B4-BE49-F238E27FC236}">
+                <a16:creationId xmlns:a16="http://schemas.microsoft.com/office/drawing/2014/main" id="{667FAF84-1BBE-488B-C7B2-4B7AD2E85681}"/>
+              </a:ext>
+            </a:extLst>
+          </p:cNvPr>
+          <p:cNvPicPr>
+            <a:picLocks noChangeAspect="1"/>
+          </p:cNvPicPr>
+          <p:nvPr/>
+        </p:nvPicPr>
+        <p:blipFill>
+          <a:blip r:embed="rId2"/>
+          <a:stretch>
+            <a:fillRect/>
+          </a:stretch>
+        </p:blipFill>
+        <p:spPr>
+          <a:xfrm>
+            <a:off x="1408043" y="157010"/>
+            <a:ext cx="2109580" cy="2109580"/>
+          </a:xfrm>
+          <a:prstGeom prst="rect">
+            <a:avLst/>
+          </a:prstGeom>
+        </p:spPr>
+      </p:pic>
+      <p:sp>
+        <p:nvSpPr>
+          <p:cNvPr id="7" name="TextBox 6">
+            <a:extLst>
+              <a:ext uri="{FF2B5EF4-FFF2-40B4-BE49-F238E27FC236}">
+                <a16:creationId xmlns:a16="http://schemas.microsoft.com/office/drawing/2014/main" id="{E29C015E-859F-2A2E-9685-6EE8583296DD}"/>
+              </a:ext>
+            </a:extLst>
+          </p:cNvPr>
+          <p:cNvSpPr txBox="1"/>
+          <p:nvPr/>
+        </p:nvSpPr>
+        <p:spPr>
+          <a:xfrm>
+            <a:off x="4238846" y="157010"/>
+            <a:ext cx="6096000" cy="2031325"/>
+          </a:xfrm>
+          <a:prstGeom prst="rect">
+            <a:avLst/>
+          </a:prstGeom>
+          <a:noFill/>
+        </p:spPr>
+        <p:txBody>
+          <a:bodyPr wrap="square">
+            <a:spAutoFit/>
+          </a:bodyPr>
+          <a:lstStyle/>
+          <a:p>
+            <a:pPr algn="just"/>
+            <a:r>
+              <a:rPr lang="en-GB" b="0" i="1" dirty="0">
+                <a:solidFill>
+                  <a:srgbClr val="343A40"/>
+                </a:solidFill>
+                <a:effectLst/>
+                <a:latin typeface="Source Sans Pro" panose="020F0502020204030204" pitchFamily="34" charset="0"/>
+              </a:rPr>
+              <a:t>“Our partnership with EUROCONTROL and the PRC is vital to fostering a joint understanding of the characteristics of both systems and how these relate to operational performance. The continual work on the Brazil-Europe comparison report is an essential enabler for Brazil to take stock of the improvements made within the Brazilian system and understand potential future constraints comparing the Brazilian context to Europe.”</a:t>
+            </a:r>
+            <a:endParaRPr lang="en-GB" i="1" dirty="0"/>
+          </a:p>
+        </p:txBody>
+      </p:sp>
+      <p:sp>
+        <p:nvSpPr>
+          <p:cNvPr id="9" name="TextBox 8">
+            <a:extLst>
+              <a:ext uri="{FF2B5EF4-FFF2-40B4-BE49-F238E27FC236}">
+                <a16:creationId xmlns:a16="http://schemas.microsoft.com/office/drawing/2014/main" id="{A601B23F-6290-6B5A-DB4E-883AC6F636C8}"/>
+              </a:ext>
+            </a:extLst>
+          </p:cNvPr>
+          <p:cNvSpPr txBox="1"/>
+          <p:nvPr/>
+        </p:nvSpPr>
+        <p:spPr>
+          <a:xfrm>
+            <a:off x="1408043" y="2364078"/>
+            <a:ext cx="6097772" cy="646331"/>
+          </a:xfrm>
+          <a:prstGeom prst="rect">
+            <a:avLst/>
+          </a:prstGeom>
+          <a:noFill/>
+        </p:spPr>
+        <p:txBody>
+          <a:bodyPr wrap="square">
+            <a:spAutoFit/>
+          </a:bodyPr>
+          <a:lstStyle/>
+          <a:p>
+            <a:pPr algn="l"/>
+            <a:r>
+              <a:rPr lang="en-GB" b="1" i="0" dirty="0">
+                <a:solidFill>
+                  <a:srgbClr val="343A40"/>
+                </a:solidFill>
+                <a:effectLst/>
+                <a:latin typeface="Source Sans Pro" panose="020B0503030403020204" pitchFamily="34" charset="0"/>
+              </a:rPr>
+              <a:t>Brigadier André Gustavo Fernandes </a:t>
+            </a:r>
+            <a:r>
+              <a:rPr lang="en-GB" b="1" i="0" dirty="0" err="1">
+                <a:solidFill>
+                  <a:srgbClr val="343A40"/>
+                </a:solidFill>
+                <a:effectLst/>
+                <a:latin typeface="Source Sans Pro" panose="020B0503030403020204" pitchFamily="34" charset="0"/>
+              </a:rPr>
+              <a:t>Peçanha</a:t>
+            </a:r>
+            <a:endParaRPr lang="en-GB" b="0" i="0" dirty="0">
+              <a:solidFill>
+                <a:srgbClr val="343A40"/>
+              </a:solidFill>
+              <a:effectLst/>
+              <a:latin typeface="Source Sans Pro" panose="020B0503030403020204" pitchFamily="34" charset="0"/>
+            </a:endParaRPr>
+          </a:p>
+          <a:p>
+            <a:pPr algn="l"/>
+            <a:r>
+              <a:rPr lang="en-GB" b="0" i="1" dirty="0">
+                <a:solidFill>
+                  <a:srgbClr val="343A40"/>
+                </a:solidFill>
+                <a:effectLst/>
+                <a:latin typeface="Source Sans Pro" panose="020B0503030403020204" pitchFamily="34" charset="0"/>
+              </a:rPr>
+              <a:t>Chief of Operations Subdepartment of DECEA</a:t>
+            </a:r>
+            <a:endParaRPr lang="en-GB" b="0" i="0" dirty="0">
+              <a:solidFill>
+                <a:srgbClr val="343A40"/>
+              </a:solidFill>
+              <a:effectLst/>
+              <a:latin typeface="Source Sans Pro" panose="020B0503030403020204" pitchFamily="34" charset="0"/>
+            </a:endParaRPr>
+          </a:p>
+        </p:txBody>
+      </p:sp>
+      <p:pic>
+        <p:nvPicPr>
+          <p:cNvPr id="11" name="Picture 10" descr="A person in a suit and tie&#10;&#10;Description automatically generated">
+            <a:extLst>
+              <a:ext uri="{FF2B5EF4-FFF2-40B4-BE49-F238E27FC236}">
+                <a16:creationId xmlns:a16="http://schemas.microsoft.com/office/drawing/2014/main" id="{732CF16D-7B71-D324-A097-451AEA799CA2}"/>
+              </a:ext>
+            </a:extLst>
+          </p:cNvPr>
+          <p:cNvPicPr>
+            <a:picLocks noChangeAspect="1"/>
+          </p:cNvPicPr>
+          <p:nvPr/>
+        </p:nvPicPr>
+        <p:blipFill>
+          <a:blip r:embed="rId3"/>
+          <a:stretch>
+            <a:fillRect/>
+          </a:stretch>
+        </p:blipFill>
+        <p:spPr>
+          <a:xfrm>
+            <a:off x="8293101" y="3269512"/>
+            <a:ext cx="2041745" cy="2041745"/>
+          </a:xfrm>
+          <a:prstGeom prst="rect">
+            <a:avLst/>
+          </a:prstGeom>
+        </p:spPr>
+      </p:pic>
+      <p:sp>
+        <p:nvSpPr>
+          <p:cNvPr id="13" name="TextBox 12">
+            <a:extLst>
+              <a:ext uri="{FF2B5EF4-FFF2-40B4-BE49-F238E27FC236}">
+                <a16:creationId xmlns:a16="http://schemas.microsoft.com/office/drawing/2014/main" id="{9AEAB23F-4118-0BCC-B674-D5873991FB37}"/>
+              </a:ext>
+            </a:extLst>
+          </p:cNvPr>
+          <p:cNvSpPr txBox="1"/>
+          <p:nvPr/>
+        </p:nvSpPr>
+        <p:spPr>
+          <a:xfrm>
+            <a:off x="1408043" y="3107897"/>
+            <a:ext cx="6545110" cy="2585323"/>
+          </a:xfrm>
+          <a:prstGeom prst="rect">
+            <a:avLst/>
+          </a:prstGeom>
+          <a:noFill/>
+        </p:spPr>
+        <p:txBody>
+          <a:bodyPr wrap="square">
+            <a:spAutoFit/>
+          </a:bodyPr>
+          <a:lstStyle/>
+          <a:p>
+            <a:pPr algn="just"/>
+            <a:r>
+              <a:rPr lang="en-GB" b="0" i="1" dirty="0">
+                <a:solidFill>
+                  <a:srgbClr val="343A40"/>
+                </a:solidFill>
+                <a:effectLst/>
+                <a:latin typeface="Source Sans Pro" panose="020B0503030403020204" pitchFamily="34" charset="0"/>
+              </a:rPr>
+              <a:t>“This third edition of the Brazil-Europe comparison demonstrates the close link between our organisations and the shared desire to provide safe and highly efficient operations in both regions. The close collaboration with DECEA allows for the identification of drivers of performance by understanding similarities and differences in the operational concepts and underlying technological enablers. This is an essential step in working towards a level playing field in both regions and support the wider global performance-based approach to air navigation.”</a:t>
+            </a:r>
+            <a:endParaRPr lang="en-GB" i="1" dirty="0"/>
+          </a:p>
+        </p:txBody>
+      </p:sp>
+      <p:sp>
+        <p:nvSpPr>
+          <p:cNvPr id="14" name="TextBox 13">
+            <a:extLst>
+              <a:ext uri="{FF2B5EF4-FFF2-40B4-BE49-F238E27FC236}">
+                <a16:creationId xmlns:a16="http://schemas.microsoft.com/office/drawing/2014/main" id="{D8F060B2-8A92-0095-CD3F-F216BD063F36}"/>
+              </a:ext>
+            </a:extLst>
+          </p:cNvPr>
+          <p:cNvSpPr txBox="1"/>
+          <p:nvPr/>
+        </p:nvSpPr>
+        <p:spPr>
+          <a:xfrm>
+            <a:off x="4237074" y="5689782"/>
+            <a:ext cx="6097772" cy="646331"/>
+          </a:xfrm>
+          <a:prstGeom prst="rect">
+            <a:avLst/>
+          </a:prstGeom>
+          <a:noFill/>
+        </p:spPr>
+        <p:txBody>
+          <a:bodyPr wrap="square">
+            <a:spAutoFit/>
+          </a:bodyPr>
+          <a:lstStyle/>
+          <a:p>
+            <a:pPr algn="r"/>
+            <a:r>
+              <a:rPr lang="en-GB" b="1" i="0" dirty="0">
+                <a:solidFill>
+                  <a:srgbClr val="343A40"/>
+                </a:solidFill>
+                <a:effectLst/>
+                <a:latin typeface="Source Sans Pro" panose="020B0503030403020204" pitchFamily="34" charset="0"/>
+              </a:rPr>
+              <a:t>Dr Peter Whysall</a:t>
+            </a:r>
+            <a:endParaRPr lang="en-GB" b="0" i="0" dirty="0">
+              <a:solidFill>
+                <a:srgbClr val="343A40"/>
+              </a:solidFill>
+              <a:effectLst/>
+              <a:latin typeface="Source Sans Pro" panose="020B0503030403020204" pitchFamily="34" charset="0"/>
+            </a:endParaRPr>
+          </a:p>
+          <a:p>
+            <a:pPr algn="r"/>
+            <a:r>
+              <a:rPr lang="en-GB" b="0" i="1" dirty="0">
+                <a:solidFill>
+                  <a:srgbClr val="343A40"/>
+                </a:solidFill>
+                <a:effectLst/>
+                <a:latin typeface="Source Sans Pro" panose="020B0503030403020204" pitchFamily="34" charset="0"/>
+              </a:rPr>
+              <a:t>Chairman of the Performance Review Commission</a:t>
+            </a:r>
+            <a:endParaRPr lang="en-GB" b="0" i="0" dirty="0">
+              <a:solidFill>
+                <a:srgbClr val="343A40"/>
+              </a:solidFill>
+              <a:effectLst/>
+              <a:latin typeface="Source Sans Pro" panose="020B0503030403020204" pitchFamily="34" charset="0"/>
+            </a:endParaRPr>
           </a:p>
         </p:txBody>
       </p:sp>

--- a/figures/figures-handmade.pptx
+++ b/figures/figures-handmade.pptx
@@ -6,6 +6,7 @@
   </p:sldMasterIdLst>
   <p:sldIdLst>
     <p:sldId id="256" r:id="rId2"/>
+    <p:sldId id="257" r:id="rId3"/>
   </p:sldIdLst>
   <p:sldSz cx="12192000" cy="6858000"/>
   <p:notesSz cx="6858000" cy="9144000"/>
@@ -104,6 +105,11 @@
       </a:defRPr>
     </a:lvl9pPr>
   </p:defaultTextStyle>
+  <p:extLst>
+    <p:ext uri="{EFAFB233-063F-42B5-8137-9DF3F51BA10A}">
+      <p15:sldGuideLst xmlns:p15="http://schemas.microsoft.com/office/powerpoint/2012/main"/>
+    </p:ext>
+  </p:extLst>
 </p:presentation>
 </file>
 
@@ -254,7 +260,7 @@
           <a:p>
             <a:fld id="{B7CFA484-72E8-A442-BADE-A5888C8D7710}" type="datetimeFigureOut">
               <a:rPr lang="en-GB" smtClean="0"/>
-              <a:t>04/03/2024</a:t>
+              <a:t>25/03/2024</a:t>
             </a:fld>
             <a:endParaRPr lang="en-GB"/>
           </a:p>
@@ -452,7 +458,7 @@
           <a:p>
             <a:fld id="{B7CFA484-72E8-A442-BADE-A5888C8D7710}" type="datetimeFigureOut">
               <a:rPr lang="en-GB" smtClean="0"/>
-              <a:t>04/03/2024</a:t>
+              <a:t>25/03/2024</a:t>
             </a:fld>
             <a:endParaRPr lang="en-GB"/>
           </a:p>
@@ -660,7 +666,7 @@
           <a:p>
             <a:fld id="{B7CFA484-72E8-A442-BADE-A5888C8D7710}" type="datetimeFigureOut">
               <a:rPr lang="en-GB" smtClean="0"/>
-              <a:t>04/03/2024</a:t>
+              <a:t>25/03/2024</a:t>
             </a:fld>
             <a:endParaRPr lang="en-GB"/>
           </a:p>
@@ -858,7 +864,7 @@
           <a:p>
             <a:fld id="{B7CFA484-72E8-A442-BADE-A5888C8D7710}" type="datetimeFigureOut">
               <a:rPr lang="en-GB" smtClean="0"/>
-              <a:t>04/03/2024</a:t>
+              <a:t>25/03/2024</a:t>
             </a:fld>
             <a:endParaRPr lang="en-GB"/>
           </a:p>
@@ -1133,7 +1139,7 @@
           <a:p>
             <a:fld id="{B7CFA484-72E8-A442-BADE-A5888C8D7710}" type="datetimeFigureOut">
               <a:rPr lang="en-GB" smtClean="0"/>
-              <a:t>04/03/2024</a:t>
+              <a:t>25/03/2024</a:t>
             </a:fld>
             <a:endParaRPr lang="en-GB"/>
           </a:p>
@@ -1398,7 +1404,7 @@
           <a:p>
             <a:fld id="{B7CFA484-72E8-A442-BADE-A5888C8D7710}" type="datetimeFigureOut">
               <a:rPr lang="en-GB" smtClean="0"/>
-              <a:t>04/03/2024</a:t>
+              <a:t>25/03/2024</a:t>
             </a:fld>
             <a:endParaRPr lang="en-GB"/>
           </a:p>
@@ -1810,7 +1816,7 @@
           <a:p>
             <a:fld id="{B7CFA484-72E8-A442-BADE-A5888C8D7710}" type="datetimeFigureOut">
               <a:rPr lang="en-GB" smtClean="0"/>
-              <a:t>04/03/2024</a:t>
+              <a:t>25/03/2024</a:t>
             </a:fld>
             <a:endParaRPr lang="en-GB"/>
           </a:p>
@@ -1951,7 +1957,7 @@
           <a:p>
             <a:fld id="{B7CFA484-72E8-A442-BADE-A5888C8D7710}" type="datetimeFigureOut">
               <a:rPr lang="en-GB" smtClean="0"/>
-              <a:t>04/03/2024</a:t>
+              <a:t>25/03/2024</a:t>
             </a:fld>
             <a:endParaRPr lang="en-GB"/>
           </a:p>
@@ -2064,7 +2070,7 @@
           <a:p>
             <a:fld id="{B7CFA484-72E8-A442-BADE-A5888C8D7710}" type="datetimeFigureOut">
               <a:rPr lang="en-GB" smtClean="0"/>
-              <a:t>04/03/2024</a:t>
+              <a:t>25/03/2024</a:t>
             </a:fld>
             <a:endParaRPr lang="en-GB"/>
           </a:p>
@@ -2375,7 +2381,7 @@
           <a:p>
             <a:fld id="{B7CFA484-72E8-A442-BADE-A5888C8D7710}" type="datetimeFigureOut">
               <a:rPr lang="en-GB" smtClean="0"/>
-              <a:t>04/03/2024</a:t>
+              <a:t>25/03/2024</a:t>
             </a:fld>
             <a:endParaRPr lang="en-GB"/>
           </a:p>
@@ -2663,7 +2669,7 @@
           <a:p>
             <a:fld id="{B7CFA484-72E8-A442-BADE-A5888C8D7710}" type="datetimeFigureOut">
               <a:rPr lang="en-GB" smtClean="0"/>
-              <a:t>04/03/2024</a:t>
+              <a:t>25/03/2024</a:t>
             </a:fld>
             <a:endParaRPr lang="en-GB"/>
           </a:p>
@@ -2904,7 +2910,7 @@
           <a:p>
             <a:fld id="{B7CFA484-72E8-A442-BADE-A5888C8D7710}" type="datetimeFigureOut">
               <a:rPr lang="en-GB" smtClean="0"/>
-              <a:t>04/03/2024</a:t>
+              <a:t>25/03/2024</a:t>
             </a:fld>
             <a:endParaRPr lang="en-GB"/>
           </a:p>
@@ -3321,36 +3327,6 @@
           <a:chExt cx="0" cy="0"/>
         </a:xfrm>
       </p:grpSpPr>
-      <p:pic>
-        <p:nvPicPr>
-          <p:cNvPr id="5" name="Picture 4" descr="A person in a uniform&#10;&#10;Description automatically generated">
-            <a:extLst>
-              <a:ext uri="{FF2B5EF4-FFF2-40B4-BE49-F238E27FC236}">
-                <a16:creationId xmlns:a16="http://schemas.microsoft.com/office/drawing/2014/main" id="{667FAF84-1BBE-488B-C7B2-4B7AD2E85681}"/>
-              </a:ext>
-            </a:extLst>
-          </p:cNvPr>
-          <p:cNvPicPr>
-            <a:picLocks noChangeAspect="1"/>
-          </p:cNvPicPr>
-          <p:nvPr/>
-        </p:nvPicPr>
-        <p:blipFill>
-          <a:blip r:embed="rId2"/>
-          <a:stretch>
-            <a:fillRect/>
-          </a:stretch>
-        </p:blipFill>
-        <p:spPr>
-          <a:xfrm>
-            <a:off x="1408043" y="157010"/>
-            <a:ext cx="2109580" cy="2109580"/>
-          </a:xfrm>
-          <a:prstGeom prst="rect">
-            <a:avLst/>
-          </a:prstGeom>
-        </p:spPr>
-      </p:pic>
       <p:sp>
         <p:nvSpPr>
           <p:cNvPr id="7" name="TextBox 6">
@@ -3431,7 +3407,7 @@
                 <a:effectLst/>
                 <a:latin typeface="Source Sans Pro" panose="020B0503030403020204" pitchFamily="34" charset="0"/>
               </a:rPr>
-              <a:t>Brigadier André Gustavo Fernandes </a:t>
+              <a:t>Brigadier Alcides Teixeira </a:t>
             </a:r>
             <a:r>
               <a:rPr lang="en-GB" b="1" i="0" dirty="0" err="1">
@@ -3441,7 +3417,7 @@
                 <a:effectLst/>
                 <a:latin typeface="Source Sans Pro" panose="020B0503030403020204" pitchFamily="34" charset="0"/>
               </a:rPr>
-              <a:t>Peçanha</a:t>
+              <a:t>Barbacovi</a:t>
             </a:r>
             <a:endParaRPr lang="en-GB" b="0" i="0" dirty="0">
               <a:solidFill>
@@ -3452,7 +3428,6 @@
             </a:endParaRPr>
           </a:p>
           <a:p>
-            <a:pPr algn="l"/>
             <a:r>
               <a:rPr lang="en-GB" b="0" i="1" dirty="0">
                 <a:solidFill>
@@ -3461,7 +3436,7 @@
                 <a:effectLst/>
                 <a:latin typeface="Source Sans Pro" panose="020B0503030403020204" pitchFamily="34" charset="0"/>
               </a:rPr>
-              <a:t>Chief of Operations Subdepartment of DECEA</a:t>
+              <a:t>Director General of DECEA</a:t>
             </a:r>
             <a:endParaRPr lang="en-GB" b="0" i="0" dirty="0">
               <a:solidFill>
@@ -3488,7 +3463,7 @@
           <p:nvPr/>
         </p:nvPicPr>
         <p:blipFill>
-          <a:blip r:embed="rId3"/>
+          <a:blip r:embed="rId2"/>
           <a:stretch>
             <a:fillRect/>
           </a:stretch>
@@ -3615,10 +3590,1945 @@
           </a:p>
         </p:txBody>
       </p:sp>
+      <p:pic>
+        <p:nvPicPr>
+          <p:cNvPr id="3" name="Picture 2" descr="A person in a uniform&#10;&#10;Description automatically generated">
+            <a:extLst>
+              <a:ext uri="{FF2B5EF4-FFF2-40B4-BE49-F238E27FC236}">
+                <a16:creationId xmlns:a16="http://schemas.microsoft.com/office/drawing/2014/main" id="{62B51630-503B-1EAA-FAF6-B21F3D08A041}"/>
+              </a:ext>
+            </a:extLst>
+          </p:cNvPr>
+          <p:cNvPicPr>
+            <a:picLocks noChangeAspect="1"/>
+          </p:cNvPicPr>
+          <p:nvPr/>
+        </p:nvPicPr>
+        <p:blipFill>
+          <a:blip r:embed="rId3"/>
+          <a:stretch>
+            <a:fillRect/>
+          </a:stretch>
+        </p:blipFill>
+        <p:spPr>
+          <a:xfrm>
+            <a:off x="1496773" y="167486"/>
+            <a:ext cx="2020849" cy="2020849"/>
+          </a:xfrm>
+          <a:prstGeom prst="rect">
+            <a:avLst/>
+          </a:prstGeom>
+        </p:spPr>
+      </p:pic>
     </p:spTree>
     <p:extLst>
       <p:ext uri="{BB962C8B-B14F-4D97-AF65-F5344CB8AC3E}">
         <p14:creationId xmlns:p14="http://schemas.microsoft.com/office/powerpoint/2010/main" val="2397219280"/>
+      </p:ext>
+    </p:extLst>
+  </p:cSld>
+  <p:clrMapOvr>
+    <a:masterClrMapping/>
+  </p:clrMapOvr>
+</p:sld>
+</file>
+
+<file path=ppt/slides/slide2.xml><?xml version="1.0" encoding="utf-8"?>
+<p:sld xmlns:a="http://schemas.openxmlformats.org/drawingml/2006/main" xmlns:r="http://schemas.openxmlformats.org/officeDocument/2006/relationships" xmlns:p="http://schemas.openxmlformats.org/presentationml/2006/main">
+  <p:cSld>
+    <p:spTree>
+      <p:nvGrpSpPr>
+        <p:cNvPr id="1" name=""/>
+        <p:cNvGrpSpPr/>
+        <p:nvPr/>
+      </p:nvGrpSpPr>
+      <p:grpSpPr>
+        <a:xfrm>
+          <a:off x="0" y="0"/>
+          <a:ext cx="0" cy="0"/>
+          <a:chOff x="0" y="0"/>
+          <a:chExt cx="0" cy="0"/>
+        </a:xfrm>
+      </p:grpSpPr>
+      <p:graphicFrame>
+        <p:nvGraphicFramePr>
+          <p:cNvPr id="3" name="Table 2">
+            <a:extLst>
+              <a:ext uri="{FF2B5EF4-FFF2-40B4-BE49-F238E27FC236}">
+                <a16:creationId xmlns:a16="http://schemas.microsoft.com/office/drawing/2014/main" id="{AAB1E4B8-DA0A-4EDA-F878-81ECBB307F41}"/>
+              </a:ext>
+            </a:extLst>
+          </p:cNvPr>
+          <p:cNvGraphicFramePr>
+            <a:graphicFrameLocks noGrp="1"/>
+          </p:cNvGraphicFramePr>
+          <p:nvPr>
+            <p:extLst>
+              <p:ext uri="{D42A27DB-BD31-4B8C-83A1-F6EECF244321}">
+                <p14:modId xmlns:p14="http://schemas.microsoft.com/office/powerpoint/2010/main" val="1749433441"/>
+              </p:ext>
+            </p:extLst>
+          </p:nvPr>
+        </p:nvGraphicFramePr>
+        <p:xfrm>
+          <a:off x="427512" y="588980"/>
+          <a:ext cx="9476509" cy="4841824"/>
+        </p:xfrm>
+        <a:graphic>
+          <a:graphicData uri="http://schemas.openxmlformats.org/drawingml/2006/table">
+            <a:tbl>
+              <a:tblPr firstRow="1" firstCol="1" bandRow="1">
+                <a:tableStyleId>{00A15C55-8517-42AA-B614-E9B94910E393}</a:tableStyleId>
+              </a:tblPr>
+              <a:tblGrid>
+                <a:gridCol w="2275330">
+                  <a:extLst>
+                    <a:ext uri="{9D8B030D-6E8A-4147-A177-3AD203B41FA5}">
+                      <a16:colId xmlns:a16="http://schemas.microsoft.com/office/drawing/2014/main" val="388130766"/>
+                    </a:ext>
+                  </a:extLst>
+                </a:gridCol>
+                <a:gridCol w="1198179">
+                  <a:extLst>
+                    <a:ext uri="{9D8B030D-6E8A-4147-A177-3AD203B41FA5}">
+                      <a16:colId xmlns:a16="http://schemas.microsoft.com/office/drawing/2014/main" val="2796321310"/>
+                    </a:ext>
+                  </a:extLst>
+                </a:gridCol>
+                <a:gridCol w="1082978">
+                  <a:extLst>
+                    <a:ext uri="{9D8B030D-6E8A-4147-A177-3AD203B41FA5}">
+                      <a16:colId xmlns:a16="http://schemas.microsoft.com/office/drawing/2014/main" val="3298103605"/>
+                    </a:ext>
+                  </a:extLst>
+                </a:gridCol>
+                <a:gridCol w="1156044">
+                  <a:extLst>
+                    <a:ext uri="{9D8B030D-6E8A-4147-A177-3AD203B41FA5}">
+                      <a16:colId xmlns:a16="http://schemas.microsoft.com/office/drawing/2014/main" val="3830598105"/>
+                    </a:ext>
+                  </a:extLst>
+                </a:gridCol>
+                <a:gridCol w="1161871">
+                  <a:extLst>
+                    <a:ext uri="{9D8B030D-6E8A-4147-A177-3AD203B41FA5}">
+                      <a16:colId xmlns:a16="http://schemas.microsoft.com/office/drawing/2014/main" val="2304746890"/>
+                    </a:ext>
+                  </a:extLst>
+                </a:gridCol>
+                <a:gridCol w="1307105">
+                  <a:extLst>
+                    <a:ext uri="{9D8B030D-6E8A-4147-A177-3AD203B41FA5}">
+                      <a16:colId xmlns:a16="http://schemas.microsoft.com/office/drawing/2014/main" val="3467463895"/>
+                    </a:ext>
+                  </a:extLst>
+                </a:gridCol>
+                <a:gridCol w="1295002">
+                  <a:extLst>
+                    <a:ext uri="{9D8B030D-6E8A-4147-A177-3AD203B41FA5}">
+                      <a16:colId xmlns:a16="http://schemas.microsoft.com/office/drawing/2014/main" val="2478975321"/>
+                    </a:ext>
+                  </a:extLst>
+                </a:gridCol>
+              </a:tblGrid>
+              <a:tr h="432782">
+                <a:tc>
+                  <a:txBody>
+                    <a:bodyPr/>
+                    <a:lstStyle/>
+                    <a:p>
+                      <a:pPr algn="l"/>
+                      <a:r>
+                        <a:rPr lang="en-GB" sz="1400" kern="100" dirty="0">
+                          <a:effectLst/>
+                        </a:rPr>
+                        <a:t>KPA</a:t>
+                      </a:r>
+                      <a:endParaRPr lang="en-BE" sz="1400" kern="100" dirty="0">
+                        <a:effectLst/>
+                        <a:latin typeface="Aptos" panose="020B0004020202020204" pitchFamily="34" charset="0"/>
+                        <a:ea typeface="Aptos" panose="020B0004020202020204" pitchFamily="34" charset="0"/>
+                        <a:cs typeface="Times New Roman" panose="02020603050405020304" pitchFamily="18" charset="0"/>
+                      </a:endParaRPr>
+                    </a:p>
+                  </a:txBody>
+                  <a:tcPr marL="68580" marR="68580" marT="0" marB="0"/>
+                </a:tc>
+                <a:tc>
+                  <a:txBody>
+                    <a:bodyPr/>
+                    <a:lstStyle/>
+                    <a:p>
+                      <a:pPr algn="ctr"/>
+                      <a:r>
+                        <a:rPr lang="en-GB" sz="1400" kern="100" dirty="0">
+                          <a:effectLst/>
+                        </a:rPr>
+                        <a:t>Brazil </a:t>
+                      </a:r>
+                    </a:p>
+                    <a:p>
+                      <a:pPr algn="ctr"/>
+                      <a:r>
+                        <a:rPr lang="en-GB" sz="1400" kern="100" dirty="0">
+                          <a:effectLst/>
+                        </a:rPr>
+                        <a:t>2019</a:t>
+                      </a:r>
+                      <a:endParaRPr lang="en-BE" sz="1400" kern="100" dirty="0">
+                        <a:effectLst/>
+                        <a:latin typeface="Aptos" panose="020B0004020202020204" pitchFamily="34" charset="0"/>
+                        <a:ea typeface="Aptos" panose="020B0004020202020204" pitchFamily="34" charset="0"/>
+                        <a:cs typeface="Times New Roman" panose="02020603050405020304" pitchFamily="18" charset="0"/>
+                      </a:endParaRPr>
+                    </a:p>
+                  </a:txBody>
+                  <a:tcPr marL="68580" marR="68580" marT="0" marB="0" anchor="ctr"/>
+                </a:tc>
+                <a:tc>
+                  <a:txBody>
+                    <a:bodyPr/>
+                    <a:lstStyle/>
+                    <a:p>
+                      <a:pPr algn="ctr"/>
+                      <a:r>
+                        <a:rPr lang="en-GB" sz="1400" kern="100" dirty="0">
+                          <a:effectLst/>
+                        </a:rPr>
+                        <a:t>Brazil</a:t>
+                      </a:r>
+                      <a:endParaRPr lang="en-BE" sz="1400" kern="100" dirty="0">
+                        <a:effectLst/>
+                      </a:endParaRPr>
+                    </a:p>
+                    <a:p>
+                      <a:pPr algn="ctr"/>
+                      <a:r>
+                        <a:rPr lang="en-GB" sz="1400" kern="100" dirty="0">
+                          <a:effectLst/>
+                        </a:rPr>
+                        <a:t>2023</a:t>
+                      </a:r>
+                      <a:endParaRPr lang="en-BE" sz="1400" kern="100" dirty="0">
+                        <a:effectLst/>
+                        <a:latin typeface="Aptos" panose="020B0004020202020204" pitchFamily="34" charset="0"/>
+                        <a:ea typeface="Aptos" panose="020B0004020202020204" pitchFamily="34" charset="0"/>
+                        <a:cs typeface="Times New Roman" panose="02020603050405020304" pitchFamily="18" charset="0"/>
+                      </a:endParaRPr>
+                    </a:p>
+                  </a:txBody>
+                  <a:tcPr marL="68580" marR="68580" marT="0" marB="0" anchor="ctr"/>
+                </a:tc>
+                <a:tc>
+                  <a:txBody>
+                    <a:bodyPr/>
+                    <a:lstStyle/>
+                    <a:p>
+                      <a:pPr algn="ctr"/>
+                      <a:r>
+                        <a:rPr lang="en-GB" sz="1400" kern="100" dirty="0">
+                          <a:effectLst/>
+                        </a:rPr>
+                        <a:t> Europe </a:t>
+                      </a:r>
+                    </a:p>
+                    <a:p>
+                      <a:pPr algn="ctr"/>
+                      <a:r>
+                        <a:rPr lang="en-GB" sz="1400" kern="100" dirty="0">
+                          <a:effectLst/>
+                        </a:rPr>
+                        <a:t>2019</a:t>
+                      </a:r>
+                      <a:endParaRPr lang="en-BE" sz="1400" kern="100" dirty="0">
+                        <a:effectLst/>
+                        <a:latin typeface="Aptos" panose="020B0004020202020204" pitchFamily="34" charset="0"/>
+                        <a:ea typeface="Aptos" panose="020B0004020202020204" pitchFamily="34" charset="0"/>
+                        <a:cs typeface="Times New Roman" panose="02020603050405020304" pitchFamily="18" charset="0"/>
+                      </a:endParaRPr>
+                    </a:p>
+                  </a:txBody>
+                  <a:tcPr marL="68580" marR="68580" marT="0" marB="0" anchor="ctr"/>
+                </a:tc>
+                <a:tc>
+                  <a:txBody>
+                    <a:bodyPr/>
+                    <a:lstStyle/>
+                    <a:p>
+                      <a:pPr algn="ctr"/>
+                      <a:r>
+                        <a:rPr lang="en-GB" sz="1400" kern="100" dirty="0">
+                          <a:effectLst/>
+                        </a:rPr>
+                        <a:t> Europe </a:t>
+                      </a:r>
+                    </a:p>
+                    <a:p>
+                      <a:pPr algn="ctr"/>
+                      <a:r>
+                        <a:rPr lang="en-GB" sz="1400" kern="100" dirty="0">
+                          <a:effectLst/>
+                        </a:rPr>
+                        <a:t>2023</a:t>
+                      </a:r>
+                      <a:endParaRPr lang="en-BE" sz="1400" kern="100" dirty="0">
+                        <a:effectLst/>
+                        <a:latin typeface="Aptos" panose="020B0004020202020204" pitchFamily="34" charset="0"/>
+                        <a:ea typeface="Aptos" panose="020B0004020202020204" pitchFamily="34" charset="0"/>
+                        <a:cs typeface="Times New Roman" panose="02020603050405020304" pitchFamily="18" charset="0"/>
+                      </a:endParaRPr>
+                    </a:p>
+                  </a:txBody>
+                  <a:tcPr marL="68580" marR="68580" marT="0" marB="0" anchor="ctr"/>
+                </a:tc>
+                <a:tc>
+                  <a:txBody>
+                    <a:bodyPr/>
+                    <a:lstStyle/>
+                    <a:p>
+                      <a:pPr algn="ctr"/>
+                      <a:r>
+                        <a:rPr lang="en-GB" sz="1400" kern="100" dirty="0">
+                          <a:effectLst/>
+                        </a:rPr>
+                        <a:t>Brazil/Europe</a:t>
+                      </a:r>
+                    </a:p>
+                    <a:p>
+                      <a:pPr algn="ctr"/>
+                      <a:r>
+                        <a:rPr lang="en-GB" sz="1400" kern="100" dirty="0">
+                          <a:effectLst/>
+                        </a:rPr>
+                        <a:t>2019 </a:t>
+                      </a:r>
+                      <a:endParaRPr lang="en-BE" sz="1400" kern="100" dirty="0">
+                        <a:effectLst/>
+                        <a:latin typeface="Aptos" panose="020B0004020202020204" pitchFamily="34" charset="0"/>
+                        <a:ea typeface="Aptos" panose="020B0004020202020204" pitchFamily="34" charset="0"/>
+                        <a:cs typeface="Times New Roman" panose="02020603050405020304" pitchFamily="18" charset="0"/>
+                      </a:endParaRPr>
+                    </a:p>
+                  </a:txBody>
+                  <a:tcPr marL="68580" marR="68580" marT="0" marB="0" anchor="ctr"/>
+                </a:tc>
+                <a:tc>
+                  <a:txBody>
+                    <a:bodyPr/>
+                    <a:lstStyle/>
+                    <a:p>
+                      <a:pPr algn="ctr"/>
+                      <a:r>
+                        <a:rPr lang="en-GB" sz="1400" kern="100" dirty="0">
+                          <a:effectLst/>
+                        </a:rPr>
+                        <a:t>Brazil/Europe</a:t>
+                      </a:r>
+                    </a:p>
+                    <a:p>
+                      <a:pPr algn="ctr"/>
+                      <a:r>
+                        <a:rPr lang="en-GB" sz="1400" kern="100" dirty="0">
+                          <a:effectLst/>
+                        </a:rPr>
+                        <a:t>2023 </a:t>
+                      </a:r>
+                      <a:endParaRPr lang="en-BE" sz="1400" kern="100" dirty="0">
+                        <a:effectLst/>
+                        <a:latin typeface="Aptos" panose="020B0004020202020204" pitchFamily="34" charset="0"/>
+                        <a:ea typeface="Aptos" panose="020B0004020202020204" pitchFamily="34" charset="0"/>
+                        <a:cs typeface="Times New Roman" panose="02020603050405020304" pitchFamily="18" charset="0"/>
+                      </a:endParaRPr>
+                    </a:p>
+                  </a:txBody>
+                  <a:tcPr marL="68580" marR="68580" marT="0" marB="0" anchor="ctr"/>
+                </a:tc>
+                <a:extLst>
+                  <a:ext uri="{0D108BD9-81ED-4DB2-BD59-A6C34878D82A}">
+                    <a16:rowId xmlns:a16="http://schemas.microsoft.com/office/drawing/2014/main" val="1304143548"/>
+                  </a:ext>
+                </a:extLst>
+              </a:tr>
+              <a:tr h="432782">
+                <a:tc>
+                  <a:txBody>
+                    <a:bodyPr/>
+                    <a:lstStyle/>
+                    <a:p>
+                      <a:pPr algn="l"/>
+                      <a:r>
+                        <a:rPr lang="en-GB" sz="1400" kern="100" dirty="0">
+                          <a:effectLst/>
+                        </a:rPr>
+                        <a:t> geographic area</a:t>
+                      </a:r>
+                      <a:br>
+                        <a:rPr lang="en-GB" sz="1400" kern="100" dirty="0">
+                          <a:effectLst/>
+                        </a:rPr>
+                      </a:br>
+                      <a:r>
+                        <a:rPr lang="en-GB" sz="1400" kern="100" dirty="0">
+                          <a:effectLst/>
+                        </a:rPr>
+                        <a:t>(non-oceanic, million km</a:t>
+                      </a:r>
+                      <a:r>
+                        <a:rPr lang="en-GB" sz="1400" kern="100" baseline="30000" dirty="0">
+                          <a:effectLst/>
+                        </a:rPr>
+                        <a:t>2</a:t>
+                      </a:r>
+                      <a:r>
+                        <a:rPr lang="en-GB" sz="1400" kern="100" baseline="0" dirty="0">
+                          <a:effectLst/>
+                        </a:rPr>
+                        <a:t>)</a:t>
+                      </a:r>
+                      <a:r>
+                        <a:rPr lang="en-GB" sz="1400" kern="100" dirty="0">
+                          <a:effectLst/>
+                        </a:rPr>
+                        <a:t> </a:t>
+                      </a:r>
+                      <a:endParaRPr lang="en-BE" sz="1400" kern="100" dirty="0">
+                        <a:effectLst/>
+                        <a:latin typeface="Aptos" panose="020B0004020202020204" pitchFamily="34" charset="0"/>
+                        <a:ea typeface="Aptos" panose="020B0004020202020204" pitchFamily="34" charset="0"/>
+                        <a:cs typeface="Times New Roman" panose="02020603050405020304" pitchFamily="18" charset="0"/>
+                      </a:endParaRPr>
+                    </a:p>
+                  </a:txBody>
+                  <a:tcPr marL="68580" marR="68580" marT="0" marB="0"/>
+                </a:tc>
+                <a:tc gridSpan="2">
+                  <a:txBody>
+                    <a:bodyPr/>
+                    <a:lstStyle/>
+                    <a:p>
+                      <a:pPr algn="ctr"/>
+                      <a:r>
+                        <a:rPr lang="en-GB" sz="1400" kern="100" dirty="0">
+                          <a:effectLst/>
+                        </a:rPr>
+                        <a:t> 8.5 </a:t>
+                      </a:r>
+                      <a:endParaRPr lang="en-BE" sz="1400" kern="100" dirty="0">
+                        <a:effectLst/>
+                        <a:latin typeface="Aptos" panose="020B0004020202020204" pitchFamily="34" charset="0"/>
+                        <a:cs typeface="Times New Roman" panose="02020603050405020304" pitchFamily="18" charset="0"/>
+                      </a:endParaRPr>
+                    </a:p>
+                  </a:txBody>
+                  <a:tcPr marL="68580" marR="68580" marT="0" marB="0" anchor="ctr"/>
+                </a:tc>
+                <a:tc hMerge="1">
+                  <a:txBody>
+                    <a:bodyPr/>
+                    <a:lstStyle/>
+                    <a:p>
+                      <a:endParaRPr dirty="0"/>
+                    </a:p>
+                  </a:txBody>
+                  <a:tcPr marL="68580" marR="68580" marT="0" marB="0"/>
+                </a:tc>
+                <a:tc gridSpan="2">
+                  <a:txBody>
+                    <a:bodyPr/>
+                    <a:lstStyle/>
+                    <a:p>
+                      <a:pPr algn="ctr"/>
+                      <a:r>
+                        <a:rPr lang="en-GB" sz="1400" kern="100" dirty="0">
+                          <a:effectLst/>
+                        </a:rPr>
+                        <a:t> 11.5 </a:t>
+                      </a:r>
+                      <a:endParaRPr lang="en-BE" sz="1400" kern="100" dirty="0">
+                        <a:effectLst/>
+                        <a:latin typeface="Aptos" panose="020B0004020202020204" pitchFamily="34" charset="0"/>
+                        <a:cs typeface="Times New Roman" panose="02020603050405020304" pitchFamily="18" charset="0"/>
+                      </a:endParaRPr>
+                    </a:p>
+                  </a:txBody>
+                  <a:tcPr marL="68580" marR="68580" marT="0" marB="0" anchor="ctr"/>
+                </a:tc>
+                <a:tc hMerge="1">
+                  <a:txBody>
+                    <a:bodyPr/>
+                    <a:lstStyle/>
+                    <a:p>
+                      <a:endParaRPr dirty="0"/>
+                    </a:p>
+                  </a:txBody>
+                  <a:tcPr marL="68580" marR="68580" marT="0" marB="0" anchor="ctr"/>
+                </a:tc>
+                <a:tc gridSpan="2">
+                  <a:txBody>
+                    <a:bodyPr/>
+                    <a:lstStyle/>
+                    <a:p>
+                      <a:pPr algn="ctr"/>
+                      <a:r>
+                        <a:rPr lang="en-GB" sz="1400" kern="100" dirty="0">
+                          <a:effectLst/>
+                        </a:rPr>
+                        <a:t>74%</a:t>
+                      </a:r>
+                      <a:endParaRPr lang="en-BE" sz="1400" kern="100" dirty="0">
+                        <a:effectLst/>
+                        <a:latin typeface="Aptos" panose="020B0004020202020204" pitchFamily="34" charset="0"/>
+                        <a:cs typeface="Times New Roman" panose="02020603050405020304" pitchFamily="18" charset="0"/>
+                      </a:endParaRPr>
+                    </a:p>
+                  </a:txBody>
+                  <a:tcPr marL="68580" marR="68580" marT="0" marB="0" anchor="ctr"/>
+                </a:tc>
+                <a:tc hMerge="1">
+                  <a:txBody>
+                    <a:bodyPr/>
+                    <a:lstStyle/>
+                    <a:p>
+                      <a:endParaRPr dirty="0"/>
+                    </a:p>
+                  </a:txBody>
+                  <a:tcPr marL="68580" marR="68580" marT="0" marB="0" anchor="ctr"/>
+                </a:tc>
+                <a:extLst>
+                  <a:ext uri="{0D108BD9-81ED-4DB2-BD59-A6C34878D82A}">
+                    <a16:rowId xmlns:a16="http://schemas.microsoft.com/office/drawing/2014/main" val="2168733589"/>
+                  </a:ext>
+                </a:extLst>
+              </a:tr>
+              <a:tr h="432782">
+                <a:tc>
+                  <a:txBody>
+                    <a:bodyPr/>
+                    <a:lstStyle/>
+                    <a:p>
+                      <a:pPr algn="l"/>
+                      <a:r>
+                        <a:rPr lang="en-GB" sz="1400" kern="100" dirty="0">
+                          <a:effectLst/>
+                        </a:rPr>
+                        <a:t>number of </a:t>
+                      </a:r>
+                      <a:r>
+                        <a:rPr lang="en-GB" sz="1400" kern="100" dirty="0" err="1">
+                          <a:effectLst/>
+                        </a:rPr>
+                        <a:t>en</a:t>
+                      </a:r>
+                      <a:r>
+                        <a:rPr lang="en-GB" sz="1400" kern="100" dirty="0">
+                          <a:effectLst/>
+                        </a:rPr>
+                        <a:t>-route</a:t>
+                      </a:r>
+                      <a:br>
+                        <a:rPr lang="en-GB" sz="1400" kern="100" dirty="0">
+                          <a:effectLst/>
+                        </a:rPr>
+                      </a:br>
+                      <a:r>
+                        <a:rPr lang="en-GB" sz="1400" kern="100" dirty="0">
+                          <a:effectLst/>
+                        </a:rPr>
+                        <a:t>ANSPs</a:t>
+                      </a:r>
+                      <a:endParaRPr lang="en-BE" sz="1400" kern="100" dirty="0">
+                        <a:effectLst/>
+                        <a:latin typeface="Aptos" panose="020B0004020202020204" pitchFamily="34" charset="0"/>
+                        <a:ea typeface="Aptos" panose="020B0004020202020204" pitchFamily="34" charset="0"/>
+                        <a:cs typeface="Times New Roman" panose="02020603050405020304" pitchFamily="18" charset="0"/>
+                      </a:endParaRPr>
+                    </a:p>
+                  </a:txBody>
+                  <a:tcPr marL="68580" marR="68580" marT="0" marB="0"/>
+                </a:tc>
+                <a:tc gridSpan="2">
+                  <a:txBody>
+                    <a:bodyPr/>
+                    <a:lstStyle/>
+                    <a:p>
+                      <a:pPr algn="ctr"/>
+                      <a:r>
+                        <a:rPr lang="en-GB" sz="1400" kern="100" dirty="0">
+                          <a:effectLst/>
+                        </a:rPr>
+                        <a:t>1</a:t>
+                      </a:r>
+                      <a:endParaRPr lang="en-BE" sz="1400" kern="100" dirty="0">
+                        <a:effectLst/>
+                        <a:latin typeface="Aptos" panose="020B0004020202020204" pitchFamily="34" charset="0"/>
+                        <a:cs typeface="Times New Roman" panose="02020603050405020304" pitchFamily="18" charset="0"/>
+                      </a:endParaRPr>
+                    </a:p>
+                  </a:txBody>
+                  <a:tcPr marL="68580" marR="68580" marT="0" marB="0" anchor="ctr"/>
+                </a:tc>
+                <a:tc hMerge="1">
+                  <a:txBody>
+                    <a:bodyPr/>
+                    <a:lstStyle/>
+                    <a:p>
+                      <a:endParaRPr dirty="0"/>
+                    </a:p>
+                  </a:txBody>
+                  <a:tcPr marL="68580" marR="68580" marT="0" marB="0"/>
+                </a:tc>
+                <a:tc gridSpan="2">
+                  <a:txBody>
+                    <a:bodyPr/>
+                    <a:lstStyle/>
+                    <a:p>
+                      <a:pPr algn="ctr"/>
+                      <a:r>
+                        <a:rPr lang="en-GB" sz="1400" kern="100" dirty="0">
+                          <a:effectLst/>
+                        </a:rPr>
+                        <a:t>36</a:t>
+                      </a:r>
+                      <a:endParaRPr lang="en-BE" sz="1400" kern="100" dirty="0">
+                        <a:effectLst/>
+                        <a:latin typeface="Aptos" panose="020B0004020202020204" pitchFamily="34" charset="0"/>
+                        <a:cs typeface="Times New Roman" panose="02020603050405020304" pitchFamily="18" charset="0"/>
+                      </a:endParaRPr>
+                    </a:p>
+                  </a:txBody>
+                  <a:tcPr marL="68580" marR="68580" marT="0" marB="0" anchor="ctr"/>
+                </a:tc>
+                <a:tc hMerge="1">
+                  <a:txBody>
+                    <a:bodyPr/>
+                    <a:lstStyle/>
+                    <a:p>
+                      <a:endParaRPr dirty="0"/>
+                    </a:p>
+                  </a:txBody>
+                  <a:tcPr marL="68580" marR="68580" marT="0" marB="0" anchor="ctr"/>
+                </a:tc>
+                <a:tc gridSpan="2">
+                  <a:txBody>
+                    <a:bodyPr/>
+                    <a:lstStyle/>
+                    <a:p>
+                      <a:pPr algn="ctr"/>
+                      <a:r>
+                        <a:rPr lang="en-GB" sz="1400" kern="100" dirty="0">
+                          <a:effectLst/>
+                          <a:latin typeface="Aptos" panose="020B0004020202020204" pitchFamily="34" charset="0"/>
+                          <a:cs typeface="Times New Roman" panose="02020603050405020304" pitchFamily="18" charset="0"/>
+                        </a:rPr>
+                        <a:t>single provider vs multiple</a:t>
+                      </a:r>
+                      <a:endParaRPr lang="en-BE" sz="1400" kern="100" dirty="0">
+                        <a:effectLst/>
+                        <a:latin typeface="Aptos" panose="020B0004020202020204" pitchFamily="34" charset="0"/>
+                        <a:cs typeface="Times New Roman" panose="02020603050405020304" pitchFamily="18" charset="0"/>
+                      </a:endParaRPr>
+                    </a:p>
+                  </a:txBody>
+                  <a:tcPr marL="68580" marR="68580" marT="0" marB="0" anchor="ctr"/>
+                </a:tc>
+                <a:tc hMerge="1">
+                  <a:txBody>
+                    <a:bodyPr/>
+                    <a:lstStyle/>
+                    <a:p>
+                      <a:endParaRPr dirty="0"/>
+                    </a:p>
+                  </a:txBody>
+                  <a:tcPr marL="68580" marR="68580" marT="0" marB="0" anchor="ctr"/>
+                </a:tc>
+                <a:extLst>
+                  <a:ext uri="{0D108BD9-81ED-4DB2-BD59-A6C34878D82A}">
+                    <a16:rowId xmlns:a16="http://schemas.microsoft.com/office/drawing/2014/main" val="2905947655"/>
+                  </a:ext>
+                </a:extLst>
+              </a:tr>
+              <a:tr h="432782">
+                <a:tc>
+                  <a:txBody>
+                    <a:bodyPr/>
+                    <a:lstStyle/>
+                    <a:p>
+                      <a:pPr algn="l"/>
+                      <a:r>
+                        <a:rPr lang="en-GB" sz="1400" kern="100" dirty="0">
+                          <a:effectLst/>
+                        </a:rPr>
+                        <a:t>number of TWR</a:t>
+                      </a:r>
+                      <a:endParaRPr lang="en-BE" sz="1400" kern="100" dirty="0">
+                        <a:effectLst/>
+                        <a:latin typeface="Aptos" panose="020B0004020202020204" pitchFamily="34" charset="0"/>
+                        <a:ea typeface="Aptos" panose="020B0004020202020204" pitchFamily="34" charset="0"/>
+                        <a:cs typeface="Times New Roman" panose="02020603050405020304" pitchFamily="18" charset="0"/>
+                      </a:endParaRPr>
+                    </a:p>
+                  </a:txBody>
+                  <a:tcPr marL="68580" marR="68580" marT="0" marB="0"/>
+                </a:tc>
+                <a:tc>
+                  <a:txBody>
+                    <a:bodyPr/>
+                    <a:lstStyle/>
+                    <a:p>
+                      <a:pPr algn="ctr"/>
+                      <a:r>
+                        <a:rPr lang="en-GB" sz="1400" kern="100" dirty="0">
+                          <a:effectLst/>
+                        </a:rPr>
+                        <a:t>59 </a:t>
+                      </a:r>
+                      <a:endParaRPr lang="en-BE" sz="1400" kern="100" dirty="0">
+                        <a:effectLst/>
+                        <a:latin typeface="Aptos" panose="020B0004020202020204" pitchFamily="34" charset="0"/>
+                        <a:ea typeface="Aptos" panose="020B0004020202020204" pitchFamily="34" charset="0"/>
+                        <a:cs typeface="Times New Roman" panose="02020603050405020304" pitchFamily="18" charset="0"/>
+                      </a:endParaRPr>
+                    </a:p>
+                  </a:txBody>
+                  <a:tcPr marL="68580" marR="68580" marT="0" marB="0" anchor="ctr"/>
+                </a:tc>
+                <a:tc>
+                  <a:txBody>
+                    <a:bodyPr/>
+                    <a:lstStyle/>
+                    <a:p>
+                      <a:pPr algn="ctr"/>
+                      <a:r>
+                        <a:rPr lang="en-GB" sz="1400" kern="100" dirty="0">
+                          <a:effectLst/>
+                        </a:rPr>
+                        <a:t>57 + </a:t>
+                      </a:r>
+                      <a:br>
+                        <a:rPr lang="en-GB" sz="1400" kern="100" dirty="0">
+                          <a:effectLst/>
+                        </a:rPr>
+                      </a:br>
+                      <a:r>
+                        <a:rPr lang="en-GB" sz="1400" kern="100" dirty="0">
+                          <a:effectLst/>
+                        </a:rPr>
+                        <a:t>1 DTWR</a:t>
+                      </a:r>
+                      <a:r>
+                        <a:rPr lang="en-GB" sz="1400" kern="100" baseline="30000" dirty="0">
+                          <a:effectLst/>
+                        </a:rPr>
+                        <a:t>(2)</a:t>
+                      </a:r>
+                      <a:endParaRPr lang="en-BE" sz="1400" kern="100" dirty="0">
+                        <a:effectLst/>
+                        <a:latin typeface="Aptos" panose="020B0004020202020204" pitchFamily="34" charset="0"/>
+                        <a:ea typeface="Aptos" panose="020B0004020202020204" pitchFamily="34" charset="0"/>
+                        <a:cs typeface="Times New Roman" panose="02020603050405020304" pitchFamily="18" charset="0"/>
+                      </a:endParaRPr>
+                    </a:p>
+                  </a:txBody>
+                  <a:tcPr marL="68580" marR="68580" marT="0" marB="0" anchor="ctr"/>
+                </a:tc>
+                <a:tc>
+                  <a:txBody>
+                    <a:bodyPr/>
+                    <a:lstStyle/>
+                    <a:p>
+                      <a:pPr algn="ctr"/>
+                      <a:r>
+                        <a:rPr lang="en-GB" sz="1400" kern="100" dirty="0">
+                          <a:effectLst/>
+                        </a:rPr>
+                        <a:t> 400+</a:t>
+                      </a:r>
+                      <a:endParaRPr lang="en-BE" sz="1400" kern="100" dirty="0">
+                        <a:effectLst/>
+                        <a:latin typeface="Aptos" panose="020B0004020202020204" pitchFamily="34" charset="0"/>
+                        <a:ea typeface="Aptos" panose="020B0004020202020204" pitchFamily="34" charset="0"/>
+                        <a:cs typeface="Times New Roman" panose="02020603050405020304" pitchFamily="18" charset="0"/>
+                      </a:endParaRPr>
+                    </a:p>
+                  </a:txBody>
+                  <a:tcPr marL="68580" marR="68580" marT="0" marB="0" anchor="ctr"/>
+                </a:tc>
+                <a:tc>
+                  <a:txBody>
+                    <a:bodyPr/>
+                    <a:lstStyle/>
+                    <a:p>
+                      <a:pPr algn="ctr"/>
+                      <a:r>
+                        <a:rPr lang="en-GB" sz="1400" kern="100" dirty="0">
+                          <a:effectLst/>
+                        </a:rPr>
+                        <a:t> </a:t>
+                      </a:r>
+                      <a:endParaRPr lang="en-BE" sz="1400" kern="100" dirty="0">
+                        <a:effectLst/>
+                        <a:latin typeface="Aptos" panose="020B0004020202020204" pitchFamily="34" charset="0"/>
+                        <a:ea typeface="Aptos" panose="020B0004020202020204" pitchFamily="34" charset="0"/>
+                        <a:cs typeface="Times New Roman" panose="02020603050405020304" pitchFamily="18" charset="0"/>
+                      </a:endParaRPr>
+                    </a:p>
+                  </a:txBody>
+                  <a:tcPr marL="68580" marR="68580" marT="0" marB="0" anchor="ctr"/>
+                </a:tc>
+                <a:tc rowSpan="3" gridSpan="2">
+                  <a:txBody>
+                    <a:bodyPr/>
+                    <a:lstStyle/>
+                    <a:p>
+                      <a:pPr algn="ctr"/>
+                      <a:r>
+                        <a:rPr lang="en-GB" sz="1400" kern="100" dirty="0">
+                          <a:effectLst/>
+                          <a:latin typeface="Aptos" panose="020B0004020202020204" pitchFamily="34" charset="0"/>
+                          <a:cs typeface="Times New Roman" panose="02020603050405020304" pitchFamily="18" charset="0"/>
+                        </a:rPr>
+                        <a:t>ATS f</a:t>
+                      </a:r>
+                      <a:r>
+                        <a:rPr lang="en-BE" sz="1400" kern="100" dirty="0">
+                          <a:effectLst/>
+                          <a:latin typeface="Aptos" panose="020B0004020202020204" pitchFamily="34" charset="0"/>
+                          <a:cs typeface="Times New Roman" panose="02020603050405020304" pitchFamily="18" charset="0"/>
+                        </a:rPr>
+                        <a:t>acilities </a:t>
+                      </a:r>
+                    </a:p>
+                    <a:p>
+                      <a:pPr algn="ctr"/>
+                      <a:r>
+                        <a:rPr lang="en-BE" sz="1400" kern="100" dirty="0">
+                          <a:effectLst/>
+                          <a:latin typeface="Aptos" panose="020B0004020202020204" pitchFamily="34" charset="0"/>
+                          <a:cs typeface="Times New Roman" panose="02020603050405020304" pitchFamily="18" charset="0"/>
+                        </a:rPr>
+                        <a:t>mostly unchanged</a:t>
+                      </a:r>
+                    </a:p>
+                  </a:txBody>
+                  <a:tcPr marL="68580" marR="68580" marT="0" marB="0" anchor="ctr"/>
+                </a:tc>
+                <a:tc rowSpan="3" hMerge="1">
+                  <a:txBody>
+                    <a:bodyPr/>
+                    <a:lstStyle/>
+                    <a:p>
+                      <a:endParaRPr/>
+                    </a:p>
+                  </a:txBody>
+                  <a:tcPr marL="68580" marR="68580" marT="0" marB="0" anchor="ctr"/>
+                </a:tc>
+                <a:extLst>
+                  <a:ext uri="{0D108BD9-81ED-4DB2-BD59-A6C34878D82A}">
+                    <a16:rowId xmlns:a16="http://schemas.microsoft.com/office/drawing/2014/main" val="27224785"/>
+                  </a:ext>
+                </a:extLst>
+              </a:tr>
+              <a:tr h="432782">
+                <a:tc>
+                  <a:txBody>
+                    <a:bodyPr/>
+                    <a:lstStyle/>
+                    <a:p>
+                      <a:pPr algn="l"/>
+                      <a:r>
+                        <a:rPr lang="en-GB" sz="1400" kern="100" dirty="0">
+                          <a:effectLst/>
+                        </a:rPr>
+                        <a:t>number of APP</a:t>
+                      </a:r>
+                      <a:endParaRPr lang="en-BE" sz="1400" kern="100" dirty="0">
+                        <a:effectLst/>
+                        <a:latin typeface="Aptos" panose="020B0004020202020204" pitchFamily="34" charset="0"/>
+                        <a:ea typeface="Aptos" panose="020B0004020202020204" pitchFamily="34" charset="0"/>
+                        <a:cs typeface="Times New Roman" panose="02020603050405020304" pitchFamily="18" charset="0"/>
+                      </a:endParaRPr>
+                    </a:p>
+                  </a:txBody>
+                  <a:tcPr marL="68580" marR="68580" marT="0" marB="0"/>
+                </a:tc>
+                <a:tc>
+                  <a:txBody>
+                    <a:bodyPr/>
+                    <a:lstStyle/>
+                    <a:p>
+                      <a:pPr algn="ctr"/>
+                      <a:r>
+                        <a:rPr lang="en-GB" sz="1400" kern="100" dirty="0">
+                          <a:effectLst/>
+                        </a:rPr>
+                        <a:t> 43</a:t>
+                      </a:r>
+                      <a:endParaRPr lang="en-BE" sz="1400" kern="100" dirty="0">
+                        <a:effectLst/>
+                        <a:latin typeface="Aptos" panose="020B0004020202020204" pitchFamily="34" charset="0"/>
+                        <a:ea typeface="Aptos" panose="020B0004020202020204" pitchFamily="34" charset="0"/>
+                        <a:cs typeface="Times New Roman" panose="02020603050405020304" pitchFamily="18" charset="0"/>
+                      </a:endParaRPr>
+                    </a:p>
+                  </a:txBody>
+                  <a:tcPr marL="68580" marR="68580" marT="0" marB="0" anchor="ctr"/>
+                </a:tc>
+                <a:tc>
+                  <a:txBody>
+                    <a:bodyPr/>
+                    <a:lstStyle/>
+                    <a:p>
+                      <a:pPr algn="ctr"/>
+                      <a:r>
+                        <a:rPr lang="en-GB" sz="1400" kern="100" dirty="0">
+                          <a:effectLst/>
+                        </a:rPr>
+                        <a:t> 41</a:t>
+                      </a:r>
+                      <a:endParaRPr lang="en-BE" sz="1400" kern="100" dirty="0">
+                        <a:effectLst/>
+                        <a:latin typeface="Aptos" panose="020B0004020202020204" pitchFamily="34" charset="0"/>
+                        <a:ea typeface="Aptos" panose="020B0004020202020204" pitchFamily="34" charset="0"/>
+                        <a:cs typeface="Times New Roman" panose="02020603050405020304" pitchFamily="18" charset="0"/>
+                      </a:endParaRPr>
+                    </a:p>
+                  </a:txBody>
+                  <a:tcPr marL="68580" marR="68580" marT="0" marB="0" anchor="ctr"/>
+                </a:tc>
+                <a:tc>
+                  <a:txBody>
+                    <a:bodyPr/>
+                    <a:lstStyle/>
+                    <a:p>
+                      <a:pPr algn="ctr"/>
+                      <a:r>
+                        <a:rPr lang="en-GB" sz="1400" kern="100" dirty="0">
+                          <a:effectLst/>
+                        </a:rPr>
+                        <a:t>19 (stand-alone) </a:t>
+                      </a:r>
+                      <a:endParaRPr lang="en-BE" sz="1400" kern="100" dirty="0">
+                        <a:effectLst/>
+                        <a:latin typeface="Aptos" panose="020B0004020202020204" pitchFamily="34" charset="0"/>
+                        <a:ea typeface="Aptos" panose="020B0004020202020204" pitchFamily="34" charset="0"/>
+                        <a:cs typeface="Times New Roman" panose="02020603050405020304" pitchFamily="18" charset="0"/>
+                      </a:endParaRPr>
+                    </a:p>
+                  </a:txBody>
+                  <a:tcPr marL="68580" marR="68580" marT="0" marB="0" anchor="ctr"/>
+                </a:tc>
+                <a:tc>
+                  <a:txBody>
+                    <a:bodyPr/>
+                    <a:lstStyle/>
+                    <a:p>
+                      <a:pPr algn="ctr"/>
+                      <a:r>
+                        <a:rPr lang="en-GB" sz="1400" kern="100" dirty="0">
+                          <a:effectLst/>
+                        </a:rPr>
+                        <a:t> 19 (stand-alone)</a:t>
+                      </a:r>
+                      <a:endParaRPr lang="en-BE" sz="1400" kern="100" dirty="0">
+                        <a:effectLst/>
+                        <a:latin typeface="Aptos" panose="020B0004020202020204" pitchFamily="34" charset="0"/>
+                        <a:ea typeface="Aptos" panose="020B0004020202020204" pitchFamily="34" charset="0"/>
+                        <a:cs typeface="Times New Roman" panose="02020603050405020304" pitchFamily="18" charset="0"/>
+                      </a:endParaRPr>
+                    </a:p>
+                  </a:txBody>
+                  <a:tcPr marL="68580" marR="68580" marT="0" marB="0" anchor="ctr"/>
+                </a:tc>
+                <a:tc gridSpan="2" vMerge="1">
+                  <a:txBody>
+                    <a:bodyPr/>
+                    <a:lstStyle/>
+                    <a:p>
+                      <a:endParaRPr/>
+                    </a:p>
+                  </a:txBody>
+                  <a:tcPr marL="68580" marR="68580" marT="0" marB="0" anchor="ctr"/>
+                </a:tc>
+                <a:tc hMerge="1" vMerge="1">
+                  <a:txBody>
+                    <a:bodyPr/>
+                    <a:lstStyle/>
+                    <a:p>
+                      <a:endParaRPr/>
+                    </a:p>
+                  </a:txBody>
+                  <a:tcPr marL="68580" marR="68580" marT="0" marB="0" anchor="ctr"/>
+                </a:tc>
+                <a:extLst>
+                  <a:ext uri="{0D108BD9-81ED-4DB2-BD59-A6C34878D82A}">
+                    <a16:rowId xmlns:a16="http://schemas.microsoft.com/office/drawing/2014/main" val="2047060381"/>
+                  </a:ext>
+                </a:extLst>
+              </a:tr>
+              <a:tr h="393643">
+                <a:tc>
+                  <a:txBody>
+                    <a:bodyPr/>
+                    <a:lstStyle/>
+                    <a:p>
+                      <a:pPr algn="l"/>
+                      <a:r>
+                        <a:rPr lang="en-GB" sz="1400" kern="100" dirty="0">
+                          <a:effectLst/>
+                          <a:latin typeface="Aptos" panose="020B0004020202020204" pitchFamily="34" charset="0"/>
+                          <a:ea typeface="Aptos" panose="020B0004020202020204" pitchFamily="34" charset="0"/>
+                          <a:cs typeface="Times New Roman" panose="02020603050405020304" pitchFamily="18" charset="0"/>
+                        </a:rPr>
+                        <a:t>n</a:t>
+                      </a:r>
+                      <a:r>
+                        <a:rPr lang="en-BE" sz="1400" kern="100" dirty="0">
+                          <a:effectLst/>
+                          <a:latin typeface="Aptos" panose="020B0004020202020204" pitchFamily="34" charset="0"/>
+                          <a:ea typeface="Aptos" panose="020B0004020202020204" pitchFamily="34" charset="0"/>
+                          <a:cs typeface="Times New Roman" panose="02020603050405020304" pitchFamily="18" charset="0"/>
+                        </a:rPr>
+                        <a:t>umber of ACC</a:t>
+                      </a:r>
+                    </a:p>
+                  </a:txBody>
+                  <a:tcPr marL="68580" marR="68580" marT="0" marB="0"/>
+                </a:tc>
+                <a:tc gridSpan="2">
+                  <a:txBody>
+                    <a:bodyPr/>
+                    <a:lstStyle/>
+                    <a:p>
+                      <a:pPr algn="ctr"/>
+                      <a:r>
+                        <a:rPr lang="en-BE" sz="1400" kern="100" dirty="0">
+                          <a:effectLst/>
+                          <a:latin typeface="Aptos" panose="020B0004020202020204" pitchFamily="34" charset="0"/>
+                          <a:ea typeface="Aptos" panose="020B0004020202020204" pitchFamily="34" charset="0"/>
+                          <a:cs typeface="Times New Roman" panose="02020603050405020304" pitchFamily="18" charset="0"/>
+                        </a:rPr>
+                        <a:t>5</a:t>
+                      </a:r>
+                    </a:p>
+                  </a:txBody>
+                  <a:tcPr marL="68580" marR="68580" marT="0" marB="0" anchor="ctr"/>
+                </a:tc>
+                <a:tc hMerge="1">
+                  <a:txBody>
+                    <a:bodyPr/>
+                    <a:lstStyle/>
+                    <a:p>
+                      <a:pPr algn="ctr"/>
+                      <a:endParaRPr lang="en-BE" sz="1400" kern="100" dirty="0">
+                        <a:effectLst/>
+                        <a:latin typeface="Aptos" panose="020B0004020202020204" pitchFamily="34" charset="0"/>
+                        <a:ea typeface="Aptos" panose="020B0004020202020204" pitchFamily="34" charset="0"/>
+                        <a:cs typeface="Times New Roman" panose="02020603050405020304" pitchFamily="18" charset="0"/>
+                      </a:endParaRPr>
+                    </a:p>
+                  </a:txBody>
+                  <a:tcPr marL="68580" marR="68580" marT="0" marB="0" anchor="ctr"/>
+                </a:tc>
+                <a:tc>
+                  <a:txBody>
+                    <a:bodyPr/>
+                    <a:lstStyle/>
+                    <a:p>
+                      <a:pPr algn="ctr"/>
+                      <a:r>
+                        <a:rPr lang="en-BE" sz="1400" kern="100" dirty="0">
+                          <a:effectLst/>
+                          <a:latin typeface="Aptos" panose="020B0004020202020204" pitchFamily="34" charset="0"/>
+                          <a:ea typeface="Aptos" panose="020B0004020202020204" pitchFamily="34" charset="0"/>
+                          <a:cs typeface="Times New Roman" panose="02020603050405020304" pitchFamily="18" charset="0"/>
+                        </a:rPr>
+                        <a:t>58</a:t>
+                      </a:r>
+                    </a:p>
+                  </a:txBody>
+                  <a:tcPr marL="68580" marR="68580" marT="0" marB="0" anchor="ctr"/>
+                </a:tc>
+                <a:tc>
+                  <a:txBody>
+                    <a:bodyPr/>
+                    <a:lstStyle/>
+                    <a:p>
+                      <a:pPr algn="ctr"/>
+                      <a:r>
+                        <a:rPr lang="en-BE" sz="1400" kern="100" dirty="0">
+                          <a:effectLst/>
+                          <a:latin typeface="Aptos" panose="020B0004020202020204" pitchFamily="34" charset="0"/>
+                          <a:ea typeface="Aptos" panose="020B0004020202020204" pitchFamily="34" charset="0"/>
+                          <a:cs typeface="Times New Roman" panose="02020603050405020304" pitchFamily="18" charset="0"/>
+                        </a:rPr>
+                        <a:t>58</a:t>
+                      </a:r>
+                    </a:p>
+                  </a:txBody>
+                  <a:tcPr marL="68580" marR="68580" marT="0" marB="0" anchor="ctr"/>
+                </a:tc>
+                <a:tc gridSpan="2" vMerge="1">
+                  <a:txBody>
+                    <a:bodyPr/>
+                    <a:lstStyle/>
+                    <a:p>
+                      <a:pPr algn="ctr"/>
+                      <a:endParaRPr lang="en-BE" sz="1400" kern="100" dirty="0">
+                        <a:effectLst/>
+                        <a:latin typeface="Aptos" panose="020B0004020202020204" pitchFamily="34" charset="0"/>
+                        <a:ea typeface="Aptos" panose="020B0004020202020204" pitchFamily="34" charset="0"/>
+                        <a:cs typeface="Times New Roman" panose="02020603050405020304" pitchFamily="18" charset="0"/>
+                      </a:endParaRPr>
+                    </a:p>
+                  </a:txBody>
+                  <a:tcPr marL="68580" marR="68580" marT="0" marB="0" anchor="ctr"/>
+                </a:tc>
+                <a:tc hMerge="1" vMerge="1">
+                  <a:txBody>
+                    <a:bodyPr/>
+                    <a:lstStyle/>
+                    <a:p>
+                      <a:pPr algn="ctr"/>
+                      <a:endParaRPr lang="en-BE" sz="1400" kern="100" dirty="0">
+                        <a:effectLst/>
+                        <a:latin typeface="Aptos" panose="020B0004020202020204" pitchFamily="34" charset="0"/>
+                        <a:ea typeface="Aptos" panose="020B0004020202020204" pitchFamily="34" charset="0"/>
+                        <a:cs typeface="Times New Roman" panose="02020603050405020304" pitchFamily="18" charset="0"/>
+                      </a:endParaRPr>
+                    </a:p>
+                  </a:txBody>
+                  <a:tcPr marL="68580" marR="68580" marT="0" marB="0" anchor="ctr"/>
+                </a:tc>
+                <a:extLst>
+                  <a:ext uri="{0D108BD9-81ED-4DB2-BD59-A6C34878D82A}">
+                    <a16:rowId xmlns:a16="http://schemas.microsoft.com/office/drawing/2014/main" val="1581900928"/>
+                  </a:ext>
+                </a:extLst>
+              </a:tr>
+              <a:tr h="393643">
+                <a:tc>
+                  <a:txBody>
+                    <a:bodyPr/>
+                    <a:lstStyle/>
+                    <a:p>
+                      <a:pPr algn="l"/>
+                      <a:r>
+                        <a:rPr lang="en-GB" sz="1400" kern="100" dirty="0">
+                          <a:effectLst/>
+                          <a:latin typeface="Aptos" panose="020B0004020202020204" pitchFamily="34" charset="0"/>
+                          <a:ea typeface="Aptos" panose="020B0004020202020204" pitchFamily="34" charset="0"/>
+                          <a:cs typeface="Times New Roman" panose="02020603050405020304" pitchFamily="18" charset="0"/>
+                        </a:rPr>
+                        <a:t>n</a:t>
+                      </a:r>
+                      <a:r>
+                        <a:rPr lang="en-BE" sz="1400" kern="100" dirty="0">
+                          <a:effectLst/>
+                          <a:latin typeface="Aptos" panose="020B0004020202020204" pitchFamily="34" charset="0"/>
+                          <a:ea typeface="Aptos" panose="020B0004020202020204" pitchFamily="34" charset="0"/>
+                          <a:cs typeface="Times New Roman" panose="02020603050405020304" pitchFamily="18" charset="0"/>
+                        </a:rPr>
+                        <a:t>umber of ATCOs in OPS</a:t>
+                      </a:r>
+                    </a:p>
+                  </a:txBody>
+                  <a:tcPr marL="68580" marR="68580" marT="0" marB="0"/>
+                </a:tc>
+                <a:tc>
+                  <a:txBody>
+                    <a:bodyPr/>
+                    <a:lstStyle/>
+                    <a:p>
+                      <a:pPr algn="ctr"/>
+                      <a:r>
+                        <a:rPr lang="en-BE" sz="1400" kern="100" dirty="0">
+                          <a:effectLst/>
+                          <a:latin typeface="Aptos" panose="020B0004020202020204" pitchFamily="34" charset="0"/>
+                          <a:ea typeface="Aptos" panose="020B0004020202020204" pitchFamily="34" charset="0"/>
+                          <a:cs typeface="Times New Roman" panose="02020603050405020304" pitchFamily="18" charset="0"/>
+                        </a:rPr>
+                        <a:t>3 126</a:t>
+                      </a:r>
+                    </a:p>
+                  </a:txBody>
+                  <a:tcPr marL="68580" marR="68580" marT="0" marB="0" anchor="ctr"/>
+                </a:tc>
+                <a:tc>
+                  <a:txBody>
+                    <a:bodyPr/>
+                    <a:lstStyle/>
+                    <a:p>
+                      <a:pPr algn="ctr"/>
+                      <a:r>
+                        <a:rPr lang="en-BE" sz="1400" kern="100" dirty="0">
+                          <a:effectLst/>
+                          <a:latin typeface="Aptos" panose="020B0004020202020204" pitchFamily="34" charset="0"/>
+                          <a:ea typeface="Aptos" panose="020B0004020202020204" pitchFamily="34" charset="0"/>
+                          <a:cs typeface="Times New Roman" panose="02020603050405020304" pitchFamily="18" charset="0"/>
+                        </a:rPr>
+                        <a:t>3 677</a:t>
+                      </a:r>
+                    </a:p>
+                  </a:txBody>
+                  <a:tcPr marL="68580" marR="68580" marT="0" marB="0" anchor="ctr"/>
+                </a:tc>
+                <a:tc>
+                  <a:txBody>
+                    <a:bodyPr/>
+                    <a:lstStyle/>
+                    <a:p>
+                      <a:pPr algn="ctr"/>
+                      <a:r>
+                        <a:rPr lang="en-BE" sz="1400" kern="100" dirty="0">
+                          <a:effectLst/>
+                          <a:latin typeface="Aptos" panose="020B0004020202020204" pitchFamily="34" charset="0"/>
+                          <a:ea typeface="Aptos" panose="020B0004020202020204" pitchFamily="34" charset="0"/>
+                          <a:cs typeface="Times New Roman" panose="02020603050405020304" pitchFamily="18" charset="0"/>
+                        </a:rPr>
+                        <a:t>17 563</a:t>
+                      </a:r>
+                    </a:p>
+                  </a:txBody>
+                  <a:tcPr marL="68580" marR="68580" marT="0" marB="0" anchor="ctr"/>
+                </a:tc>
+                <a:tc>
+                  <a:txBody>
+                    <a:bodyPr/>
+                    <a:lstStyle/>
+                    <a:p>
+                      <a:pPr algn="ctr"/>
+                      <a:r>
+                        <a:rPr lang="en-GB" sz="1400" kern="100" dirty="0">
+                          <a:effectLst/>
+                          <a:latin typeface="Aptos" panose="020B0004020202020204" pitchFamily="34" charset="0"/>
+                          <a:ea typeface="Aptos" panose="020B0004020202020204" pitchFamily="34" charset="0"/>
+                          <a:cs typeface="Times New Roman" panose="02020603050405020304" pitchFamily="18" charset="0"/>
+                        </a:rPr>
+                        <a:t>16552</a:t>
+                      </a:r>
+                      <a:r>
+                        <a:rPr lang="en-BE" sz="1400" kern="100" baseline="30000" dirty="0">
+                          <a:effectLst/>
+                          <a:latin typeface="Aptos" panose="020B0004020202020204" pitchFamily="34" charset="0"/>
+                          <a:ea typeface="Aptos" panose="020B0004020202020204" pitchFamily="34" charset="0"/>
+                          <a:cs typeface="Times New Roman" panose="02020603050405020304" pitchFamily="18" charset="0"/>
+                        </a:rPr>
+                        <a:t>(1)</a:t>
+                      </a:r>
+                      <a:endParaRPr lang="en-BE" sz="1400" kern="100" dirty="0">
+                        <a:effectLst/>
+                        <a:latin typeface="Aptos" panose="020B0004020202020204" pitchFamily="34" charset="0"/>
+                        <a:ea typeface="Aptos" panose="020B0004020202020204" pitchFamily="34" charset="0"/>
+                        <a:cs typeface="Times New Roman" panose="02020603050405020304" pitchFamily="18" charset="0"/>
+                      </a:endParaRPr>
+                    </a:p>
+                  </a:txBody>
+                  <a:tcPr marL="68580" marR="68580" marT="0" marB="0" anchor="ctr"/>
+                </a:tc>
+                <a:tc>
+                  <a:txBody>
+                    <a:bodyPr/>
+                    <a:lstStyle/>
+                    <a:p>
+                      <a:pPr algn="ctr"/>
+                      <a:r>
+                        <a:rPr lang="en-BE" sz="1400" kern="100" dirty="0">
+                          <a:effectLst/>
+                          <a:latin typeface="Aptos" panose="020B0004020202020204" pitchFamily="34" charset="0"/>
+                          <a:ea typeface="Aptos" panose="020B0004020202020204" pitchFamily="34" charset="0"/>
+                          <a:cs typeface="Times New Roman" panose="02020603050405020304" pitchFamily="18" charset="0"/>
+                        </a:rPr>
+                        <a:t>17.8%</a:t>
+                      </a:r>
+                    </a:p>
+                  </a:txBody>
+                  <a:tcPr marL="68580" marR="68580" marT="0" marB="0" anchor="ctr"/>
+                </a:tc>
+                <a:tc>
+                  <a:txBody>
+                    <a:bodyPr/>
+                    <a:lstStyle/>
+                    <a:p>
+                      <a:pPr algn="ctr"/>
+                      <a:r>
+                        <a:rPr lang="en-BE" sz="1400" kern="100" dirty="0">
+                          <a:effectLst/>
+                          <a:latin typeface="Aptos" panose="020B0004020202020204" pitchFamily="34" charset="0"/>
+                          <a:ea typeface="Aptos" panose="020B0004020202020204" pitchFamily="34" charset="0"/>
+                          <a:cs typeface="Times New Roman" panose="02020603050405020304" pitchFamily="18" charset="0"/>
+                        </a:rPr>
+                        <a:t>22.2%</a:t>
+                      </a:r>
+                    </a:p>
+                  </a:txBody>
+                  <a:tcPr marL="68580" marR="68580" marT="0" marB="0" anchor="ctr"/>
+                </a:tc>
+                <a:extLst>
+                  <a:ext uri="{0D108BD9-81ED-4DB2-BD59-A6C34878D82A}">
+                    <a16:rowId xmlns:a16="http://schemas.microsoft.com/office/drawing/2014/main" val="2502118196"/>
+                  </a:ext>
+                </a:extLst>
+              </a:tr>
+              <a:tr h="393643">
+                <a:tc>
+                  <a:txBody>
+                    <a:bodyPr/>
+                    <a:lstStyle/>
+                    <a:p>
+                      <a:pPr algn="l"/>
+                      <a:r>
+                        <a:rPr lang="en-GB" sz="1400" kern="100" dirty="0">
+                          <a:effectLst/>
+                          <a:latin typeface="Aptos" panose="020B0004020202020204" pitchFamily="34" charset="0"/>
+                          <a:ea typeface="Aptos" panose="020B0004020202020204" pitchFamily="34" charset="0"/>
+                          <a:cs typeface="Times New Roman" panose="02020603050405020304" pitchFamily="18" charset="0"/>
+                        </a:rPr>
+                        <a:t>c</a:t>
+                      </a:r>
+                      <a:r>
+                        <a:rPr lang="en-BE" sz="1400" kern="100" dirty="0">
+                          <a:effectLst/>
+                          <a:latin typeface="Aptos" panose="020B0004020202020204" pitchFamily="34" charset="0"/>
+                          <a:ea typeface="Aptos" panose="020B0004020202020204" pitchFamily="34" charset="0"/>
+                          <a:cs typeface="Times New Roman" panose="02020603050405020304" pitchFamily="18" charset="0"/>
+                        </a:rPr>
+                        <a:t>ontrolled flights</a:t>
+                      </a:r>
+                    </a:p>
+                  </a:txBody>
+                  <a:tcPr marL="68580" marR="68580" marT="0" marB="0"/>
+                </a:tc>
+                <a:tc>
+                  <a:txBody>
+                    <a:bodyPr/>
+                    <a:lstStyle/>
+                    <a:p>
+                      <a:pPr marL="0" marR="0" lvl="0" indent="0" algn="ctr" defTabSz="914400" rtl="0" eaLnBrk="1" fontAlgn="auto" latinLnBrk="0" hangingPunct="1">
+                        <a:lnSpc>
+                          <a:spcPct val="100000"/>
+                        </a:lnSpc>
+                        <a:spcBef>
+                          <a:spcPts val="0"/>
+                        </a:spcBef>
+                        <a:spcAft>
+                          <a:spcPts val="0"/>
+                        </a:spcAft>
+                        <a:buClrTx/>
+                        <a:buSzTx/>
+                        <a:buFontTx/>
+                        <a:buNone/>
+                        <a:tabLst/>
+                        <a:defRPr/>
+                      </a:pPr>
+                      <a:r>
+                        <a:rPr lang="en-BE" sz="1400" kern="100" dirty="0">
+                          <a:effectLst/>
+                          <a:latin typeface="Aptos" panose="020B0004020202020204" pitchFamily="34" charset="0"/>
+                          <a:ea typeface="Aptos" panose="020B0004020202020204" pitchFamily="34" charset="0"/>
+                          <a:cs typeface="Times New Roman" panose="02020603050405020304" pitchFamily="18" charset="0"/>
+                        </a:rPr>
+                        <a:t>1 594 442</a:t>
+                      </a:r>
+                    </a:p>
+                  </a:txBody>
+                  <a:tcPr marL="68580" marR="68580" marT="0" marB="0" anchor="ctr"/>
+                </a:tc>
+                <a:tc>
+                  <a:txBody>
+                    <a:bodyPr/>
+                    <a:lstStyle/>
+                    <a:p>
+                      <a:pPr algn="ctr"/>
+                      <a:r>
+                        <a:rPr lang="en-BE" sz="1400" kern="100" dirty="0">
+                          <a:effectLst/>
+                          <a:latin typeface="Aptos" panose="020B0004020202020204" pitchFamily="34" charset="0"/>
+                          <a:ea typeface="Aptos" panose="020B0004020202020204" pitchFamily="34" charset="0"/>
+                          <a:cs typeface="Times New Roman" panose="02020603050405020304" pitchFamily="18" charset="0"/>
+                        </a:rPr>
+                        <a:t>1 801 109</a:t>
+                      </a:r>
+                    </a:p>
+                  </a:txBody>
+                  <a:tcPr marL="68580" marR="68580" marT="0" marB="0" anchor="ctr"/>
+                </a:tc>
+                <a:tc>
+                  <a:txBody>
+                    <a:bodyPr/>
+                    <a:lstStyle/>
+                    <a:p>
+                      <a:pPr algn="ctr"/>
+                      <a:r>
+                        <a:rPr lang="en-BE" sz="1400" kern="100" dirty="0">
+                          <a:effectLst/>
+                          <a:latin typeface="Aptos" panose="020B0004020202020204" pitchFamily="34" charset="0"/>
+                          <a:ea typeface="Aptos" panose="020B0004020202020204" pitchFamily="34" charset="0"/>
+                          <a:cs typeface="Times New Roman" panose="02020603050405020304" pitchFamily="18" charset="0"/>
+                        </a:rPr>
+                        <a:t>10 995 092</a:t>
+                      </a:r>
+                    </a:p>
+                  </a:txBody>
+                  <a:tcPr marL="68580" marR="68580" marT="0" marB="0" anchor="ctr"/>
+                </a:tc>
+                <a:tc>
+                  <a:txBody>
+                    <a:bodyPr/>
+                    <a:lstStyle/>
+                    <a:p>
+                      <a:pPr algn="ctr"/>
+                      <a:r>
+                        <a:rPr lang="en-BE" sz="1400" kern="100" dirty="0">
+                          <a:effectLst/>
+                          <a:latin typeface="Aptos" panose="020B0004020202020204" pitchFamily="34" charset="0"/>
+                          <a:ea typeface="Aptos" panose="020B0004020202020204" pitchFamily="34" charset="0"/>
+                          <a:cs typeface="Times New Roman" panose="02020603050405020304" pitchFamily="18" charset="0"/>
+                        </a:rPr>
+                        <a:t>9 237 693</a:t>
+                      </a:r>
+                    </a:p>
+                  </a:txBody>
+                  <a:tcPr marL="68580" marR="68580" marT="0" marB="0" anchor="ctr"/>
+                </a:tc>
+                <a:tc>
+                  <a:txBody>
+                    <a:bodyPr/>
+                    <a:lstStyle/>
+                    <a:p>
+                      <a:pPr algn="ctr"/>
+                      <a:r>
+                        <a:rPr lang="en-BE" sz="1400" kern="100" dirty="0">
+                          <a:effectLst/>
+                          <a:latin typeface="Aptos" panose="020B0004020202020204" pitchFamily="34" charset="0"/>
+                          <a:ea typeface="Aptos" panose="020B0004020202020204" pitchFamily="34" charset="0"/>
+                          <a:cs typeface="Times New Roman" panose="02020603050405020304" pitchFamily="18" charset="0"/>
+                        </a:rPr>
+                        <a:t>14.5%</a:t>
+                      </a:r>
+                    </a:p>
+                  </a:txBody>
+                  <a:tcPr marL="68580" marR="68580" marT="0" marB="0" anchor="ctr"/>
+                </a:tc>
+                <a:tc>
+                  <a:txBody>
+                    <a:bodyPr/>
+                    <a:lstStyle/>
+                    <a:p>
+                      <a:pPr algn="ctr"/>
+                      <a:r>
+                        <a:rPr lang="en-BE" sz="1400" kern="100" dirty="0">
+                          <a:effectLst/>
+                          <a:latin typeface="Aptos" panose="020B0004020202020204" pitchFamily="34" charset="0"/>
+                          <a:ea typeface="Aptos" panose="020B0004020202020204" pitchFamily="34" charset="0"/>
+                          <a:cs typeface="Times New Roman" panose="02020603050405020304" pitchFamily="18" charset="0"/>
+                        </a:rPr>
+                        <a:t>19.5%</a:t>
+                      </a:r>
+                    </a:p>
+                  </a:txBody>
+                  <a:tcPr marL="68580" marR="68580" marT="0" marB="0" anchor="ctr"/>
+                </a:tc>
+                <a:extLst>
+                  <a:ext uri="{0D108BD9-81ED-4DB2-BD59-A6C34878D82A}">
+                    <a16:rowId xmlns:a16="http://schemas.microsoft.com/office/drawing/2014/main" val="1458423313"/>
+                  </a:ext>
+                </a:extLst>
+              </a:tr>
+              <a:tr h="393643">
+                <a:tc>
+                  <a:txBody>
+                    <a:bodyPr/>
+                    <a:lstStyle/>
+                    <a:p>
+                      <a:pPr algn="l"/>
+                      <a:r>
+                        <a:rPr lang="en-GB" sz="1400" kern="100" dirty="0">
+                          <a:effectLst/>
+                          <a:latin typeface="Aptos" panose="020B0004020202020204" pitchFamily="34" charset="0"/>
+                          <a:ea typeface="Aptos" panose="020B0004020202020204" pitchFamily="34" charset="0"/>
+                          <a:cs typeface="Times New Roman" panose="02020603050405020304" pitchFamily="18" charset="0"/>
+                        </a:rPr>
+                        <a:t>f</a:t>
+                      </a:r>
+                      <a:r>
+                        <a:rPr lang="en-BE" sz="1400" kern="100" dirty="0">
+                          <a:effectLst/>
+                          <a:latin typeface="Aptos" panose="020B0004020202020204" pitchFamily="34" charset="0"/>
+                          <a:ea typeface="Aptos" panose="020B0004020202020204" pitchFamily="34" charset="0"/>
+                          <a:cs typeface="Times New Roman" panose="02020603050405020304" pitchFamily="18" charset="0"/>
+                        </a:rPr>
+                        <a:t>lights/ATCO</a:t>
+                      </a:r>
+                    </a:p>
+                  </a:txBody>
+                  <a:tcPr marL="68580" marR="68580" marT="0" marB="0"/>
+                </a:tc>
+                <a:tc>
+                  <a:txBody>
+                    <a:bodyPr/>
+                    <a:lstStyle/>
+                    <a:p>
+                      <a:pPr algn="ctr"/>
+                      <a:r>
+                        <a:rPr lang="en-BE" sz="1400" kern="100" dirty="0">
+                          <a:effectLst/>
+                          <a:latin typeface="Aptos" panose="020B0004020202020204" pitchFamily="34" charset="0"/>
+                          <a:ea typeface="Aptos" panose="020B0004020202020204" pitchFamily="34" charset="0"/>
+                          <a:cs typeface="Times New Roman" panose="02020603050405020304" pitchFamily="18" charset="0"/>
+                        </a:rPr>
+                        <a:t>510</a:t>
+                      </a:r>
+                    </a:p>
+                  </a:txBody>
+                  <a:tcPr marL="68580" marR="68580" marT="0" marB="0" anchor="ctr"/>
+                </a:tc>
+                <a:tc>
+                  <a:txBody>
+                    <a:bodyPr/>
+                    <a:lstStyle/>
+                    <a:p>
+                      <a:pPr algn="ctr"/>
+                      <a:r>
+                        <a:rPr lang="en-BE" sz="1400" kern="100" dirty="0">
+                          <a:effectLst/>
+                          <a:latin typeface="Aptos" panose="020B0004020202020204" pitchFamily="34" charset="0"/>
+                          <a:ea typeface="Aptos" panose="020B0004020202020204" pitchFamily="34" charset="0"/>
+                          <a:cs typeface="Times New Roman" panose="02020603050405020304" pitchFamily="18" charset="0"/>
+                        </a:rPr>
+                        <a:t>490</a:t>
+                      </a:r>
+                    </a:p>
+                  </a:txBody>
+                  <a:tcPr marL="68580" marR="68580" marT="0" marB="0" anchor="ctr"/>
+                </a:tc>
+                <a:tc>
+                  <a:txBody>
+                    <a:bodyPr/>
+                    <a:lstStyle/>
+                    <a:p>
+                      <a:pPr algn="ctr"/>
+                      <a:r>
+                        <a:rPr lang="en-BE" sz="1400" kern="100" dirty="0">
+                          <a:effectLst/>
+                          <a:latin typeface="Aptos" panose="020B0004020202020204" pitchFamily="34" charset="0"/>
+                          <a:ea typeface="Aptos" panose="020B0004020202020204" pitchFamily="34" charset="0"/>
+                          <a:cs typeface="Times New Roman" panose="02020603050405020304" pitchFamily="18" charset="0"/>
+                        </a:rPr>
+                        <a:t>626</a:t>
+                      </a:r>
+                    </a:p>
+                  </a:txBody>
+                  <a:tcPr marL="68580" marR="68580" marT="0" marB="0" anchor="ctr"/>
+                </a:tc>
+                <a:tc>
+                  <a:txBody>
+                    <a:bodyPr/>
+                    <a:lstStyle/>
+                    <a:p>
+                      <a:pPr algn="ctr"/>
+                      <a:r>
+                        <a:rPr lang="en-BE" sz="1400" kern="100" dirty="0">
+                          <a:effectLst/>
+                          <a:latin typeface="Aptos" panose="020B0004020202020204" pitchFamily="34" charset="0"/>
+                          <a:ea typeface="Aptos" panose="020B0004020202020204" pitchFamily="34" charset="0"/>
+                          <a:cs typeface="Times New Roman" panose="02020603050405020304" pitchFamily="18" charset="0"/>
+                        </a:rPr>
+                        <a:t>558</a:t>
+                      </a:r>
+                    </a:p>
+                  </a:txBody>
+                  <a:tcPr marL="68580" marR="68580" marT="0" marB="0" anchor="ctr"/>
+                </a:tc>
+                <a:tc>
+                  <a:txBody>
+                    <a:bodyPr/>
+                    <a:lstStyle/>
+                    <a:p>
+                      <a:pPr algn="ctr"/>
+                      <a:r>
+                        <a:rPr lang="en-BE" sz="1400" kern="100" dirty="0">
+                          <a:effectLst/>
+                          <a:latin typeface="Aptos" panose="020B0004020202020204" pitchFamily="34" charset="0"/>
+                          <a:ea typeface="Aptos" panose="020B0004020202020204" pitchFamily="34" charset="0"/>
+                          <a:cs typeface="Times New Roman" panose="02020603050405020304" pitchFamily="18" charset="0"/>
+                        </a:rPr>
+                        <a:t>81.5%</a:t>
+                      </a:r>
+                    </a:p>
+                  </a:txBody>
+                  <a:tcPr marL="68580" marR="68580" marT="0" marB="0" anchor="ctr"/>
+                </a:tc>
+                <a:tc>
+                  <a:txBody>
+                    <a:bodyPr/>
+                    <a:lstStyle/>
+                    <a:p>
+                      <a:pPr algn="ctr"/>
+                      <a:r>
+                        <a:rPr lang="en-BE" sz="1400" kern="100" dirty="0">
+                          <a:effectLst/>
+                          <a:latin typeface="Aptos" panose="020B0004020202020204" pitchFamily="34" charset="0"/>
+                          <a:ea typeface="Aptos" panose="020B0004020202020204" pitchFamily="34" charset="0"/>
+                          <a:cs typeface="Times New Roman" panose="02020603050405020304" pitchFamily="18" charset="0"/>
+                        </a:rPr>
+                        <a:t>87.8%</a:t>
+                      </a:r>
+                    </a:p>
+                  </a:txBody>
+                  <a:tcPr marL="68580" marR="68580" marT="0" marB="0" anchor="ctr"/>
+                </a:tc>
+                <a:extLst>
+                  <a:ext uri="{0D108BD9-81ED-4DB2-BD59-A6C34878D82A}">
+                    <a16:rowId xmlns:a16="http://schemas.microsoft.com/office/drawing/2014/main" val="2372469915"/>
+                  </a:ext>
+                </a:extLst>
+              </a:tr>
+              <a:tr h="432782">
+                <a:tc>
+                  <a:txBody>
+                    <a:bodyPr/>
+                    <a:lstStyle/>
+                    <a:p>
+                      <a:pPr algn="l"/>
+                      <a:r>
+                        <a:rPr lang="en-GB" sz="1400" kern="100" dirty="0">
+                          <a:effectLst/>
+                          <a:latin typeface="Aptos" panose="020B0004020202020204" pitchFamily="34" charset="0"/>
+                          <a:ea typeface="Aptos" panose="020B0004020202020204" pitchFamily="34" charset="0"/>
+                          <a:cs typeface="Times New Roman" panose="02020603050405020304" pitchFamily="18" charset="0"/>
+                        </a:rPr>
+                        <a:t>t</a:t>
+                      </a:r>
+                      <a:r>
+                        <a:rPr lang="en-BE" sz="1400" kern="100" dirty="0">
+                          <a:effectLst/>
+                          <a:latin typeface="Aptos" panose="020B0004020202020204" pitchFamily="34" charset="0"/>
+                          <a:ea typeface="Aptos" panose="020B0004020202020204" pitchFamily="34" charset="0"/>
+                          <a:cs typeface="Times New Roman" panose="02020603050405020304" pitchFamily="18" charset="0"/>
+                        </a:rPr>
+                        <a:t>raffic density (non-oceanic, flights/km</a:t>
+                      </a:r>
+                      <a:r>
+                        <a:rPr lang="en-BE" sz="1400" kern="100" baseline="30000" dirty="0">
+                          <a:effectLst/>
+                          <a:latin typeface="Aptos" panose="020B0004020202020204" pitchFamily="34" charset="0"/>
+                          <a:ea typeface="Aptos" panose="020B0004020202020204" pitchFamily="34" charset="0"/>
+                          <a:cs typeface="Times New Roman" panose="02020603050405020304" pitchFamily="18" charset="0"/>
+                        </a:rPr>
+                        <a:t>2</a:t>
+                      </a:r>
+                      <a:r>
+                        <a:rPr lang="en-BE" sz="1400" kern="100" baseline="0" dirty="0">
+                          <a:effectLst/>
+                          <a:latin typeface="Aptos" panose="020B0004020202020204" pitchFamily="34" charset="0"/>
+                          <a:ea typeface="Aptos" panose="020B0004020202020204" pitchFamily="34" charset="0"/>
+                          <a:cs typeface="Times New Roman" panose="02020603050405020304" pitchFamily="18" charset="0"/>
+                        </a:rPr>
+                        <a:t>)</a:t>
+                      </a:r>
+                      <a:endParaRPr lang="en-BE" sz="1400" kern="100" dirty="0">
+                        <a:effectLst/>
+                        <a:latin typeface="Aptos" panose="020B0004020202020204" pitchFamily="34" charset="0"/>
+                        <a:ea typeface="Aptos" panose="020B0004020202020204" pitchFamily="34" charset="0"/>
+                        <a:cs typeface="Times New Roman" panose="02020603050405020304" pitchFamily="18" charset="0"/>
+                      </a:endParaRPr>
+                    </a:p>
+                  </a:txBody>
+                  <a:tcPr marL="68580" marR="68580" marT="0" marB="0"/>
+                </a:tc>
+                <a:tc>
+                  <a:txBody>
+                    <a:bodyPr/>
+                    <a:lstStyle/>
+                    <a:p>
+                      <a:pPr algn="ctr"/>
+                      <a:r>
+                        <a:rPr lang="en-BE" sz="1400" kern="100" dirty="0">
+                          <a:effectLst/>
+                          <a:latin typeface="Aptos" panose="020B0004020202020204" pitchFamily="34" charset="0"/>
+                          <a:ea typeface="Aptos" panose="020B0004020202020204" pitchFamily="34" charset="0"/>
+                          <a:cs typeface="Times New Roman" panose="02020603050405020304" pitchFamily="18" charset="0"/>
+                        </a:rPr>
+                        <a:t>0.187</a:t>
+                      </a:r>
+                    </a:p>
+                  </a:txBody>
+                  <a:tcPr marL="68580" marR="68580" marT="0" marB="0" anchor="ctr"/>
+                </a:tc>
+                <a:tc>
+                  <a:txBody>
+                    <a:bodyPr/>
+                    <a:lstStyle/>
+                    <a:p>
+                      <a:pPr algn="ctr"/>
+                      <a:r>
+                        <a:rPr lang="en-BE" sz="1400" kern="100" dirty="0">
+                          <a:effectLst/>
+                          <a:latin typeface="Aptos" panose="020B0004020202020204" pitchFamily="34" charset="0"/>
+                          <a:ea typeface="Aptos" panose="020B0004020202020204" pitchFamily="34" charset="0"/>
+                          <a:cs typeface="Times New Roman" panose="02020603050405020304" pitchFamily="18" charset="0"/>
+                        </a:rPr>
+                        <a:t>0.212</a:t>
+                      </a:r>
+                    </a:p>
+                  </a:txBody>
+                  <a:tcPr marL="68580" marR="68580" marT="0" marB="0" anchor="ctr"/>
+                </a:tc>
+                <a:tc>
+                  <a:txBody>
+                    <a:bodyPr/>
+                    <a:lstStyle/>
+                    <a:p>
+                      <a:pPr algn="ctr"/>
+                      <a:r>
+                        <a:rPr lang="en-BE" sz="1400" kern="100" dirty="0">
+                          <a:effectLst/>
+                          <a:latin typeface="Aptos" panose="020B0004020202020204" pitchFamily="34" charset="0"/>
+                          <a:ea typeface="Aptos" panose="020B0004020202020204" pitchFamily="34" charset="0"/>
+                          <a:cs typeface="Times New Roman" panose="02020603050405020304" pitchFamily="18" charset="0"/>
+                        </a:rPr>
+                        <a:t>0.956</a:t>
+                      </a:r>
+                    </a:p>
+                  </a:txBody>
+                  <a:tcPr marL="68580" marR="68580" marT="0" marB="0" anchor="ctr"/>
+                </a:tc>
+                <a:tc>
+                  <a:txBody>
+                    <a:bodyPr/>
+                    <a:lstStyle/>
+                    <a:p>
+                      <a:pPr algn="ctr"/>
+                      <a:r>
+                        <a:rPr lang="en-BE" sz="1400" kern="100" dirty="0">
+                          <a:effectLst/>
+                          <a:latin typeface="Aptos" panose="020B0004020202020204" pitchFamily="34" charset="0"/>
+                          <a:ea typeface="Aptos" panose="020B0004020202020204" pitchFamily="34" charset="0"/>
+                          <a:cs typeface="Times New Roman" panose="02020603050405020304" pitchFamily="18" charset="0"/>
+                        </a:rPr>
+                        <a:t>0.80</a:t>
+                      </a:r>
+                    </a:p>
+                  </a:txBody>
+                  <a:tcPr marL="68580" marR="68580" marT="0" marB="0" anchor="ctr"/>
+                </a:tc>
+                <a:tc>
+                  <a:txBody>
+                    <a:bodyPr/>
+                    <a:lstStyle/>
+                    <a:p>
+                      <a:pPr algn="ctr"/>
+                      <a:r>
+                        <a:rPr lang="en-BE" sz="1400" kern="100" dirty="0">
+                          <a:effectLst/>
+                          <a:latin typeface="Aptos" panose="020B0004020202020204" pitchFamily="34" charset="0"/>
+                          <a:ea typeface="Aptos" panose="020B0004020202020204" pitchFamily="34" charset="0"/>
+                          <a:cs typeface="Times New Roman" panose="02020603050405020304" pitchFamily="18" charset="0"/>
+                        </a:rPr>
+                        <a:t>20%</a:t>
+                      </a:r>
+                    </a:p>
+                  </a:txBody>
+                  <a:tcPr marL="68580" marR="68580" marT="0" marB="0" anchor="ctr"/>
+                </a:tc>
+                <a:tc>
+                  <a:txBody>
+                    <a:bodyPr/>
+                    <a:lstStyle/>
+                    <a:p>
+                      <a:pPr algn="ctr"/>
+                      <a:r>
+                        <a:rPr lang="en-BE" sz="1400" kern="100" dirty="0">
+                          <a:effectLst/>
+                          <a:latin typeface="Aptos" panose="020B0004020202020204" pitchFamily="34" charset="0"/>
+                          <a:ea typeface="Aptos" panose="020B0004020202020204" pitchFamily="34" charset="0"/>
+                          <a:cs typeface="Times New Roman" panose="02020603050405020304" pitchFamily="18" charset="0"/>
+                        </a:rPr>
+                        <a:t>26.5%</a:t>
+                      </a:r>
+                    </a:p>
+                  </a:txBody>
+                  <a:tcPr marL="68580" marR="68580" marT="0" marB="0" anchor="ctr"/>
+                </a:tc>
+                <a:extLst>
+                  <a:ext uri="{0D108BD9-81ED-4DB2-BD59-A6C34878D82A}">
+                    <a16:rowId xmlns:a16="http://schemas.microsoft.com/office/drawing/2014/main" val="1299329876"/>
+                  </a:ext>
+                </a:extLst>
+              </a:tr>
+              <a:tr h="393643">
+                <a:tc>
+                  <a:txBody>
+                    <a:bodyPr/>
+                    <a:lstStyle/>
+                    <a:p>
+                      <a:pPr algn="l"/>
+                      <a:endParaRPr lang="en-BE" sz="1100" kern="100" dirty="0">
+                        <a:effectLst/>
+                        <a:latin typeface="Aptos" panose="020B0004020202020204" pitchFamily="34" charset="0"/>
+                        <a:ea typeface="Aptos" panose="020B0004020202020204" pitchFamily="34" charset="0"/>
+                        <a:cs typeface="Times New Roman" panose="02020603050405020304" pitchFamily="18" charset="0"/>
+                      </a:endParaRPr>
+                    </a:p>
+                  </a:txBody>
+                  <a:tcPr marL="68580" marR="68580" marT="0" marB="0"/>
+                </a:tc>
+                <a:tc gridSpan="6">
+                  <a:txBody>
+                    <a:bodyPr/>
+                    <a:lstStyle/>
+                    <a:p>
+                      <a:pPr marL="228600" indent="-228600" algn="r">
+                        <a:buAutoNum type="arabicParenBoth"/>
+                      </a:pPr>
+                      <a:r>
+                        <a:rPr lang="en-BE" sz="1100" kern="100" dirty="0">
+                          <a:effectLst/>
+                          <a:latin typeface="Aptos" panose="020B0004020202020204" pitchFamily="34" charset="0"/>
+                          <a:ea typeface="Aptos" panose="020B0004020202020204" pitchFamily="34" charset="0"/>
+                          <a:cs typeface="Times New Roman" panose="02020603050405020304" pitchFamily="18" charset="0"/>
+                        </a:rPr>
+                        <a:t>c.f. ACE report; </a:t>
+                      </a:r>
+                      <a:br>
+                        <a:rPr lang="en-BE" sz="1100" kern="100" dirty="0">
+                          <a:effectLst/>
+                          <a:latin typeface="Aptos" panose="020B0004020202020204" pitchFamily="34" charset="0"/>
+                          <a:ea typeface="Aptos" panose="020B0004020202020204" pitchFamily="34" charset="0"/>
+                          <a:cs typeface="Times New Roman" panose="02020603050405020304" pitchFamily="18" charset="0"/>
+                        </a:rPr>
+                      </a:br>
+                      <a:r>
+                        <a:rPr lang="en-BE" sz="1100" kern="100" dirty="0">
+                          <a:effectLst/>
+                          <a:latin typeface="Aptos" panose="020B0004020202020204" pitchFamily="34" charset="0"/>
+                          <a:ea typeface="Aptos" panose="020B0004020202020204" pitchFamily="34" charset="0"/>
+                          <a:cs typeface="Times New Roman" panose="02020603050405020304" pitchFamily="18" charset="0"/>
+                        </a:rPr>
+                        <a:t>further </a:t>
+                      </a:r>
+                      <a:r>
+                        <a:rPr lang="en-GB" sz="1100" dirty="0"/>
+                        <a:t>staff and facility numbers refer to EUROCONTROL States, excluding Georgia, Ukraine, Canary Islands and Oceanic areas. European staff and facility numbers refer to 2021 which is the latest year available.</a:t>
+                      </a:r>
+                    </a:p>
+                    <a:p>
+                      <a:pPr marL="228600" indent="-228600" algn="r">
+                        <a:buAutoNum type="arabicParenBoth"/>
+                      </a:pPr>
+                      <a:r>
+                        <a:rPr lang="en-GB" sz="1100" kern="100" dirty="0">
+                          <a:effectLst/>
+                          <a:latin typeface="Aptos" panose="020B0004020202020204" pitchFamily="34" charset="0"/>
+                          <a:ea typeface="Aptos" panose="020B0004020202020204" pitchFamily="34" charset="0"/>
+                          <a:cs typeface="Times New Roman" panose="02020603050405020304" pitchFamily="18" charset="0"/>
+                        </a:rPr>
+                        <a:t>DTWR: DECEA has deployed a digital TWR</a:t>
+                      </a:r>
+                      <a:endParaRPr lang="en-BE" sz="1100" kern="100" dirty="0">
+                        <a:effectLst/>
+                        <a:latin typeface="Aptos" panose="020B0004020202020204" pitchFamily="34" charset="0"/>
+                        <a:ea typeface="Aptos" panose="020B0004020202020204" pitchFamily="34" charset="0"/>
+                        <a:cs typeface="Times New Roman" panose="02020603050405020304" pitchFamily="18" charset="0"/>
+                      </a:endParaRPr>
+                    </a:p>
+                  </a:txBody>
+                  <a:tcPr marL="68580" marR="68580" marT="0" marB="0" anchor="ctr"/>
+                </a:tc>
+                <a:tc hMerge="1">
+                  <a:txBody>
+                    <a:bodyPr/>
+                    <a:lstStyle/>
+                    <a:p>
+                      <a:pPr algn="ctr"/>
+                      <a:endParaRPr lang="en-BE" sz="1400" kern="100" dirty="0">
+                        <a:effectLst/>
+                        <a:latin typeface="Aptos" panose="020B0004020202020204" pitchFamily="34" charset="0"/>
+                        <a:ea typeface="Aptos" panose="020B0004020202020204" pitchFamily="34" charset="0"/>
+                        <a:cs typeface="Times New Roman" panose="02020603050405020304" pitchFamily="18" charset="0"/>
+                      </a:endParaRPr>
+                    </a:p>
+                  </a:txBody>
+                  <a:tcPr marL="68580" marR="68580" marT="0" marB="0" anchor="ctr"/>
+                </a:tc>
+                <a:tc hMerge="1">
+                  <a:txBody>
+                    <a:bodyPr/>
+                    <a:lstStyle/>
+                    <a:p>
+                      <a:pPr algn="ctr"/>
+                      <a:endParaRPr lang="en-BE" sz="1400" kern="100" dirty="0">
+                        <a:effectLst/>
+                        <a:latin typeface="Aptos" panose="020B0004020202020204" pitchFamily="34" charset="0"/>
+                        <a:ea typeface="Aptos" panose="020B0004020202020204" pitchFamily="34" charset="0"/>
+                        <a:cs typeface="Times New Roman" panose="02020603050405020304" pitchFamily="18" charset="0"/>
+                      </a:endParaRPr>
+                    </a:p>
+                  </a:txBody>
+                  <a:tcPr marL="68580" marR="68580" marT="0" marB="0" anchor="ctr"/>
+                </a:tc>
+                <a:tc hMerge="1">
+                  <a:txBody>
+                    <a:bodyPr/>
+                    <a:lstStyle/>
+                    <a:p>
+                      <a:pPr algn="ctr"/>
+                      <a:endParaRPr lang="en-BE" sz="1400" kern="100" dirty="0">
+                        <a:effectLst/>
+                        <a:latin typeface="Aptos" panose="020B0004020202020204" pitchFamily="34" charset="0"/>
+                        <a:ea typeface="Aptos" panose="020B0004020202020204" pitchFamily="34" charset="0"/>
+                        <a:cs typeface="Times New Roman" panose="02020603050405020304" pitchFamily="18" charset="0"/>
+                      </a:endParaRPr>
+                    </a:p>
+                  </a:txBody>
+                  <a:tcPr marL="68580" marR="68580" marT="0" marB="0" anchor="ctr"/>
+                </a:tc>
+                <a:tc hMerge="1">
+                  <a:txBody>
+                    <a:bodyPr/>
+                    <a:lstStyle/>
+                    <a:p>
+                      <a:pPr algn="ctr"/>
+                      <a:endParaRPr lang="en-BE" sz="1400" kern="100" dirty="0">
+                        <a:effectLst/>
+                        <a:latin typeface="Aptos" panose="020B0004020202020204" pitchFamily="34" charset="0"/>
+                        <a:ea typeface="Aptos" panose="020B0004020202020204" pitchFamily="34" charset="0"/>
+                        <a:cs typeface="Times New Roman" panose="02020603050405020304" pitchFamily="18" charset="0"/>
+                      </a:endParaRPr>
+                    </a:p>
+                  </a:txBody>
+                  <a:tcPr marL="68580" marR="68580" marT="0" marB="0" anchor="ctr"/>
+                </a:tc>
+                <a:tc hMerge="1">
+                  <a:txBody>
+                    <a:bodyPr/>
+                    <a:lstStyle/>
+                    <a:p>
+                      <a:pPr algn="ctr"/>
+                      <a:endParaRPr lang="en-BE" sz="1400" kern="100" dirty="0">
+                        <a:effectLst/>
+                        <a:latin typeface="Aptos" panose="020B0004020202020204" pitchFamily="34" charset="0"/>
+                        <a:ea typeface="Aptos" panose="020B0004020202020204" pitchFamily="34" charset="0"/>
+                        <a:cs typeface="Times New Roman" panose="02020603050405020304" pitchFamily="18" charset="0"/>
+                      </a:endParaRPr>
+                    </a:p>
+                  </a:txBody>
+                  <a:tcPr marL="68580" marR="68580" marT="0" marB="0" anchor="ctr"/>
+                </a:tc>
+                <a:extLst>
+                  <a:ext uri="{0D108BD9-81ED-4DB2-BD59-A6C34878D82A}">
+                    <a16:rowId xmlns:a16="http://schemas.microsoft.com/office/drawing/2014/main" val="3954535009"/>
+                  </a:ext>
+                </a:extLst>
+              </a:tr>
+            </a:tbl>
+          </a:graphicData>
+        </a:graphic>
+      </p:graphicFrame>
+    </p:spTree>
+    <p:extLst>
+      <p:ext uri="{BB962C8B-B14F-4D97-AF65-F5344CB8AC3E}">
+        <p14:creationId xmlns:p14="http://schemas.microsoft.com/office/powerpoint/2010/main" val="272468446"/>
       </p:ext>
     </p:extLst>
   </p:cSld>
